--- a/dnn/presentation/presentation_part3.pptx
+++ b/dnn/presentation/presentation_part3.pptx
@@ -240,7 +240,7 @@
           <a:p>
             <a:fld id="{9D8190EA-5EEC-4300-B6AE-D9734C6C648E}" type="datetimeFigureOut">
               <a:rPr lang="en-US" smtClean="0"/>
-              <a:t>4/5/2024</a:t>
+              <a:t>4/7/2024</a:t>
             </a:fld>
             <a:endParaRPr lang="en-US" dirty="0"/>
           </a:p>
@@ -417,7 +417,7 @@
           <a:p>
             <a:fld id="{7487ADD9-2083-264C-A652-8D52D02F7E72}" type="datetimeFigureOut">
               <a:rPr lang="en-US" smtClean="0"/>
-              <a:t>4/5/2024</a:t>
+              <a:t>4/7/2024</a:t>
             </a:fld>
             <a:endParaRPr lang="en-US" dirty="0"/>
           </a:p>
@@ -8185,14 +8185,15 @@
           <a:lstStyle/>
           <a:p>
             <a:r>
-              <a:rPr lang="en-US" dirty="0"/>
-              <a:t>CE</a:t>
+              <a:rPr lang="en-US"/>
+              <a:t>CCE</a:t>
             </a:r>
+            <a:endParaRPr lang="en-US" dirty="0"/>
           </a:p>
         </p:txBody>
       </p:sp>
-      <mc:AlternateContent xmlns:mc="http://schemas.openxmlformats.org/markup-compatibility/2006">
-        <mc:Choice xmlns:a14="http://schemas.microsoft.com/office/drawing/2010/main" Requires="a14">
+      <mc:AlternateContent xmlns:mc="http://schemas.openxmlformats.org/markup-compatibility/2006" xmlns:a14="http://schemas.microsoft.com/office/drawing/2010/main">
+        <mc:Choice Requires="a14">
           <p:sp>
             <p:nvSpPr>
               <p:cNvPr id="3" name="Content Placeholder 2">
@@ -9028,7 +9029,7 @@
             </p:txBody>
           </p:sp>
         </mc:Choice>
-        <mc:Fallback>
+        <mc:Fallback xmlns="">
           <p:sp>
             <p:nvSpPr>
               <p:cNvPr id="3" name="Content Placeholder 2">
@@ -9392,8 +9393,8 @@
           </a:p>
         </p:txBody>
       </p:sp>
-      <mc:AlternateContent xmlns:mc="http://schemas.openxmlformats.org/markup-compatibility/2006">
-        <mc:Choice xmlns:a14="http://schemas.microsoft.com/office/drawing/2010/main" Requires="a14">
+      <mc:AlternateContent xmlns:mc="http://schemas.openxmlformats.org/markup-compatibility/2006" xmlns:a14="http://schemas.microsoft.com/office/drawing/2010/main">
+        <mc:Choice Requires="a14">
           <p:sp>
             <p:nvSpPr>
               <p:cNvPr id="3" name="Content Placeholder 2">
@@ -9741,7 +9742,7 @@
             </p:txBody>
           </p:sp>
         </mc:Choice>
-        <mc:Fallback>
+        <mc:Fallback xmlns="">
           <p:sp>
             <p:nvSpPr>
               <p:cNvPr id="3" name="Content Placeholder 2">
@@ -9922,8 +9923,8 @@
           </a:p>
         </p:txBody>
       </p:sp>
-      <mc:AlternateContent xmlns:mc="http://schemas.openxmlformats.org/markup-compatibility/2006">
-        <mc:Choice xmlns:a14="http://schemas.microsoft.com/office/drawing/2010/main" Requires="a14">
+      <mc:AlternateContent xmlns:mc="http://schemas.openxmlformats.org/markup-compatibility/2006" xmlns:a14="http://schemas.microsoft.com/office/drawing/2010/main">
+        <mc:Choice Requires="a14">
           <p:sp>
             <p:nvSpPr>
               <p:cNvPr id="3" name="Content Placeholder 2">
@@ -10474,7 +10475,7 @@
             </p:txBody>
           </p:sp>
         </mc:Choice>
-        <mc:Fallback>
+        <mc:Fallback xmlns="">
           <p:sp>
             <p:nvSpPr>
               <p:cNvPr id="3" name="Content Placeholder 2">
@@ -10572,8 +10573,8 @@
           </a:p>
         </p:txBody>
       </p:sp>
-      <mc:AlternateContent xmlns:mc="http://schemas.openxmlformats.org/markup-compatibility/2006">
-        <mc:Choice xmlns:a14="http://schemas.microsoft.com/office/drawing/2010/main" Requires="a14">
+      <mc:AlternateContent xmlns:mc="http://schemas.openxmlformats.org/markup-compatibility/2006" xmlns:a14="http://schemas.microsoft.com/office/drawing/2010/main">
+        <mc:Choice Requires="a14">
           <p:sp>
             <p:nvSpPr>
               <p:cNvPr id="3" name="Content Placeholder 2">
@@ -11439,7 +11440,7 @@
             </p:txBody>
           </p:sp>
         </mc:Choice>
-        <mc:Fallback>
+        <mc:Fallback xmlns="">
           <p:sp>
             <p:nvSpPr>
               <p:cNvPr id="3" name="Content Placeholder 2">
@@ -11537,8 +11538,8 @@
           </a:p>
         </p:txBody>
       </p:sp>
-      <mc:AlternateContent xmlns:mc="http://schemas.openxmlformats.org/markup-compatibility/2006">
-        <mc:Choice xmlns:a14="http://schemas.microsoft.com/office/drawing/2010/main" Requires="a14">
+      <mc:AlternateContent xmlns:mc="http://schemas.openxmlformats.org/markup-compatibility/2006" xmlns:a14="http://schemas.microsoft.com/office/drawing/2010/main">
+        <mc:Choice Requires="a14">
           <p:sp>
             <p:nvSpPr>
               <p:cNvPr id="3" name="Content Placeholder 2">
@@ -12462,7 +12463,7 @@
             </p:txBody>
           </p:sp>
         </mc:Choice>
-        <mc:Fallback>
+        <mc:Fallback xmlns="">
           <p:sp>
             <p:nvSpPr>
               <p:cNvPr id="3" name="Content Placeholder 2">
@@ -12561,8 +12562,8 @@
           </a:p>
         </p:txBody>
       </p:sp>
-      <mc:AlternateContent xmlns:mc="http://schemas.openxmlformats.org/markup-compatibility/2006">
-        <mc:Choice xmlns:a14="http://schemas.microsoft.com/office/drawing/2010/main" Requires="a14">
+      <mc:AlternateContent xmlns:mc="http://schemas.openxmlformats.org/markup-compatibility/2006" xmlns:a14="http://schemas.microsoft.com/office/drawing/2010/main">
+        <mc:Choice Requires="a14">
           <p:sp>
             <p:nvSpPr>
               <p:cNvPr id="3" name="Content Placeholder 2">
@@ -13969,7 +13970,7 @@
             </p:txBody>
           </p:sp>
         </mc:Choice>
-        <mc:Fallback>
+        <mc:Fallback xmlns="">
           <p:sp>
             <p:nvSpPr>
               <p:cNvPr id="3" name="Content Placeholder 2">
@@ -14150,8 +14151,8 @@
           </a:p>
         </p:txBody>
       </p:sp>
-      <mc:AlternateContent xmlns:mc="http://schemas.openxmlformats.org/markup-compatibility/2006">
-        <mc:Choice xmlns:a14="http://schemas.microsoft.com/office/drawing/2010/main" Requires="a14">
+      <mc:AlternateContent xmlns:mc="http://schemas.openxmlformats.org/markup-compatibility/2006" xmlns:a14="http://schemas.microsoft.com/office/drawing/2010/main">
+        <mc:Choice Requires="a14">
           <p:sp>
             <p:nvSpPr>
               <p:cNvPr id="3" name="Content Placeholder 2">
@@ -14961,7 +14962,7 @@
             </p:txBody>
           </p:sp>
         </mc:Choice>
-        <mc:Fallback>
+        <mc:Fallback xmlns="">
           <p:sp>
             <p:nvSpPr>
               <p:cNvPr id="3" name="Content Placeholder 2">
@@ -15059,8 +15060,8 @@
           </a:p>
         </p:txBody>
       </p:sp>
-      <mc:AlternateContent xmlns:mc="http://schemas.openxmlformats.org/markup-compatibility/2006">
-        <mc:Choice xmlns:a14="http://schemas.microsoft.com/office/drawing/2010/main" Requires="a14">
+      <mc:AlternateContent xmlns:mc="http://schemas.openxmlformats.org/markup-compatibility/2006" xmlns:a14="http://schemas.microsoft.com/office/drawing/2010/main">
+        <mc:Choice Requires="a14">
           <p:sp>
             <p:nvSpPr>
               <p:cNvPr id="3" name="Content Placeholder 2">
@@ -16324,7 +16325,7 @@
             </p:txBody>
           </p:sp>
         </mc:Choice>
-        <mc:Fallback>
+        <mc:Fallback xmlns="">
           <p:sp>
             <p:nvSpPr>
               <p:cNvPr id="3" name="Content Placeholder 2">
@@ -17263,15 +17264,6 @@
 </file>
 
 <file path=customXml/item1.xml><?xml version="1.0" encoding="utf-8"?>
-<?mso-contentType ?>
-<FormTemplates xmlns="http://schemas.microsoft.com/sharepoint/v3/contenttype/forms">
-  <Display>DocumentLibraryForm</Display>
-  <Edit>DocumentLibraryForm</Edit>
-  <New>DocumentLibraryForm</New>
-</FormTemplates>
-</file>
-
-<file path=customXml/item2.xml><?xml version="1.0" encoding="utf-8"?>
 <ct:contentTypeSchema xmlns:ct="http://schemas.microsoft.com/office/2006/metadata/contentType" xmlns:ma="http://schemas.microsoft.com/office/2006/metadata/properties/metaAttributes" ct:_="" ma:_="" ma:contentTypeName="Document" ma:contentTypeID="0x01010079F111ED35F8CC479449609E8A0923A6" ma:contentTypeVersion="28" ma:contentTypeDescription="Create a new document." ma:contentTypeScope="" ma:versionID="60f5a4f2d2b0abadcf532d48ebf9cb71">
   <xsd:schema xmlns:xsd="http://www.w3.org/2001/XMLSchema" xmlns:xs="http://www.w3.org/2001/XMLSchema" xmlns:p="http://schemas.microsoft.com/office/2006/metadata/properties" xmlns:ns1="http://schemas.microsoft.com/sharepoint/v3" xmlns:ns2="71af3243-3dd4-4a8d-8c0d-dd76da1f02a5" xmlns:ns3="16c05727-aa75-4e4a-9b5f-8a80a1165891" xmlns:ns4="230e9df3-be65-4c73-a93b-d1236ebd677e" targetNamespace="http://schemas.microsoft.com/office/2006/metadata/properties" ma:root="true" ma:fieldsID="7dd78129e6a1811f84807ad11c651531" ns1:_="" ns2:_="" ns3:_="" ns4:_="">
     <xsd:import namespace="http://schemas.microsoft.com/sharepoint/v3"/>
@@ -17583,6 +17575,15 @@
 </ct:contentTypeSchema>
 </file>
 
+<file path=customXml/item2.xml><?xml version="1.0" encoding="utf-8"?>
+<?mso-contentType ?>
+<FormTemplates xmlns="http://schemas.microsoft.com/sharepoint/v3/contenttype/forms">
+  <Display>DocumentLibraryForm</Display>
+  <Edit>DocumentLibraryForm</Edit>
+  <New>DocumentLibraryForm</New>
+</FormTemplates>
+</file>
+
 <file path=customXml/item3.xml><?xml version="1.0" encoding="utf-8"?>
 <p:properties xmlns:p="http://schemas.microsoft.com/office/2006/metadata/properties" xmlns:xsi="http://www.w3.org/2001/XMLSchema-instance" xmlns:pc="http://schemas.microsoft.com/office/infopath/2007/PartnerControls">
   <documentManagement>
@@ -17604,14 +17605,6 @@
 </file>
 
 <file path=customXml/itemProps1.xml><?xml version="1.0" encoding="utf-8"?>
-<ds:datastoreItem xmlns:ds="http://schemas.openxmlformats.org/officeDocument/2006/customXml" ds:itemID="{45A8381C-73EB-48EA-B45F-7B7C8C7DF409}">
-  <ds:schemaRefs>
-    <ds:schemaRef ds:uri="http://schemas.microsoft.com/sharepoint/v3/contenttype/forms"/>
-  </ds:schemaRefs>
-</ds:datastoreItem>
-</file>
-
-<file path=customXml/itemProps2.xml><?xml version="1.0" encoding="utf-8"?>
 <ds:datastoreItem xmlns:ds="http://schemas.openxmlformats.org/officeDocument/2006/customXml" ds:itemID="{5AA6A711-2C3F-4EC0-B88B-62D740851176}">
   <ds:schemaRefs>
     <ds:schemaRef ds:uri="http://schemas.microsoft.com/office/2006/metadata/contentType"/>
@@ -17632,6 +17625,14 @@
 </ds:datastoreItem>
 </file>
 
+<file path=customXml/itemProps2.xml><?xml version="1.0" encoding="utf-8"?>
+<ds:datastoreItem xmlns:ds="http://schemas.openxmlformats.org/officeDocument/2006/customXml" ds:itemID="{45A8381C-73EB-48EA-B45F-7B7C8C7DF409}">
+  <ds:schemaRefs>
+    <ds:schemaRef ds:uri="http://schemas.microsoft.com/sharepoint/v3/contenttype/forms"/>
+  </ds:schemaRefs>
+</ds:datastoreItem>
+</file>
+
 <file path=customXml/itemProps3.xml><?xml version="1.0" encoding="utf-8"?>
 <ds:datastoreItem xmlns:ds="http://schemas.openxmlformats.org/officeDocument/2006/customXml" ds:itemID="{61E98C35-9ECE-4425-BCBA-00E118C705CE}">
   <ds:schemaRefs>

--- a/dnn/presentation/presentation_part3.pptx
+++ b/dnn/presentation/presentation_part3.pptx
@@ -12562,8 +12562,8 @@
           </a:p>
         </p:txBody>
       </p:sp>
-      <mc:AlternateContent xmlns:mc="http://schemas.openxmlformats.org/markup-compatibility/2006" xmlns:a14="http://schemas.microsoft.com/office/drawing/2010/main">
-        <mc:Choice Requires="a14">
+      <mc:AlternateContent xmlns:mc="http://schemas.openxmlformats.org/markup-compatibility/2006">
+        <mc:Choice xmlns:a14="http://schemas.microsoft.com/office/drawing/2010/main" Requires="a14">
           <p:sp>
             <p:nvSpPr>
               <p:cNvPr id="3" name="Content Placeholder 2">
@@ -12937,13 +12937,12 @@
                                 </m:sSubSupPr>
                                 <m:e>
                                   <m:r>
-                                    <a:rPr lang="en-US" sz="2800" i="1" kern="0">
+                                    <a:rPr lang="en-US" b="0" i="1" smtClean="0">
                                       <a:effectLst/>
                                       <a:latin typeface="Cambria Math" panose="02040503050406030204" pitchFamily="18" charset="0"/>
                                       <a:ea typeface="Times New Roman" panose="02020603050405020304" pitchFamily="18" charset="0"/>
-                                      <a:cs typeface="B Nazanin" panose="00000400000000000000" pitchFamily="2" charset="-78"/>
                                     </a:rPr>
-                                    <m:t>𝑛</m:t>
+                                    <m:t>𝑚</m:t>
                                   </m:r>
                                 </m:e>
                                 <m:sub>
@@ -13045,13 +13044,13 @@
                                         </m:e>
                                         <m:sub>
                                           <m:r>
-                                            <a:rPr lang="en-US" sz="2800" i="1" kern="0">
+                                            <a:rPr lang="en-US" sz="2800" b="0" i="1" kern="0" smtClean="0">
                                               <a:effectLst/>
                                               <a:latin typeface="Cambria Math" panose="02040503050406030204" pitchFamily="18" charset="0"/>
                                               <a:ea typeface="Times New Roman" panose="02020603050405020304" pitchFamily="18" charset="0"/>
                                               <a:cs typeface="B Nazanin" panose="00000400000000000000" pitchFamily="2" charset="-78"/>
                                             </a:rPr>
-                                            <m:t>𝑘</m:t>
+                                            <m:t>𝑖</m:t>
                                           </m:r>
                                           <m:r>
                                             <a:rPr lang="en-US" sz="2800" i="1" kern="0">
@@ -13063,13 +13062,13 @@
                                             <m:t>,</m:t>
                                           </m:r>
                                           <m:r>
-                                            <a:rPr lang="en-US" sz="2800" i="1" kern="0">
+                                            <a:rPr lang="en-US" sz="2800" b="0" i="1" kern="0" smtClean="0">
                                               <a:effectLst/>
                                               <a:latin typeface="Cambria Math" panose="02040503050406030204" pitchFamily="18" charset="0"/>
                                               <a:ea typeface="Times New Roman" panose="02020603050405020304" pitchFamily="18" charset="0"/>
                                               <a:cs typeface="B Nazanin" panose="00000400000000000000" pitchFamily="2" charset="-78"/>
                                             </a:rPr>
-                                            <m:t>𝑗</m:t>
+                                            <m:t>𝑘</m:t>
                                           </m:r>
                                         </m:sub>
                                         <m:sup>
@@ -13772,13 +13771,13 @@
                                   </m:e>
                                   <m:sub>
                                     <m:r>
-                                      <a:rPr lang="en-US" sz="2800" i="1" kern="0">
+                                      <a:rPr lang="en-US" sz="2800" b="0" i="1" kern="0" smtClean="0">
                                         <a:effectLst/>
                                         <a:latin typeface="Cambria Math" panose="02040503050406030204" pitchFamily="18" charset="0"/>
                                         <a:ea typeface="Calibri" panose="020F0502020204030204" pitchFamily="34" charset="0"/>
                                         <a:cs typeface="B Nazanin" panose="00000400000000000000" pitchFamily="2" charset="-78"/>
                                       </a:rPr>
-                                      <m:t>𝑢</m:t>
+                                      <m:t>𝑖</m:t>
                                     </m:r>
                                     <m:r>
                                       <a:rPr lang="en-US" sz="2800" i="1" kern="0">
@@ -13790,13 +13789,13 @@
                                       <m:t>,</m:t>
                                     </m:r>
                                     <m:r>
-                                      <a:rPr lang="en-US" sz="2800" i="1" kern="0">
+                                      <a:rPr lang="en-US" sz="2800" b="0" i="1" kern="0" smtClean="0">
                                         <a:effectLst/>
                                         <a:latin typeface="Cambria Math" panose="02040503050406030204" pitchFamily="18" charset="0"/>
                                         <a:ea typeface="Calibri" panose="020F0502020204030204" pitchFamily="34" charset="0"/>
                                         <a:cs typeface="B Nazanin" panose="00000400000000000000" pitchFamily="2" charset="-78"/>
                                       </a:rPr>
-                                      <m:t>𝑗</m:t>
+                                      <m:t>𝑣</m:t>
                                     </m:r>
                                   </m:sub>
                                   <m:sup>
@@ -13837,13 +13836,13 @@
                                   <m:t>𝑖</m:t>
                                 </m:r>
                                 <m:r>
-                                  <a:rPr lang="en-US" sz="2800" i="1" kern="0">
+                                  <a:rPr lang="en-US" sz="2800" b="0" i="1" kern="0" smtClean="0">
                                     <a:effectLst/>
                                     <a:latin typeface="Cambria Math" panose="02040503050406030204" pitchFamily="18" charset="0"/>
                                     <a:ea typeface="Calibri" panose="020F0502020204030204" pitchFamily="34" charset="0"/>
                                     <a:cs typeface="B Nazanin" panose="00000400000000000000" pitchFamily="2" charset="-78"/>
                                   </a:rPr>
-                                  <m:t>≠</m:t>
+                                  <m:t>=</m:t>
                                 </m:r>
                                 <m:r>
                                   <a:rPr lang="en-US" sz="2800" i="1" kern="0">
@@ -13894,13 +13893,13 @@
                                   <m:t>𝑗</m:t>
                                 </m:r>
                                 <m:r>
-                                  <a:rPr lang="en-US" sz="2800" i="1" kern="0">
+                                  <a:rPr lang="en-US" sz="2800" i="1" kern="0" smtClean="0">
                                     <a:effectLst/>
                                     <a:latin typeface="Cambria Math" panose="02040503050406030204" pitchFamily="18" charset="0"/>
-                                    <a:ea typeface="Calibri" panose="020F0502020204030204" pitchFamily="34" charset="0"/>
+                                    <a:ea typeface="Cambria Math" panose="02040503050406030204" pitchFamily="18" charset="0"/>
                                     <a:cs typeface="B Nazanin" panose="00000400000000000000" pitchFamily="2" charset="-78"/>
                                   </a:rPr>
-                                  <m:t>=</m:t>
+                                  <m:t>≠</m:t>
                                 </m:r>
                                 <m:r>
                                   <a:rPr lang="en-US" sz="2800" i="1" kern="0">
@@ -13927,31 +13926,31 @@
                               </m:e>
                               <m:e>
                                 <m:r>
-                                  <a:rPr lang="en-US" sz="2800" i="1" kern="0">
+                                  <a:rPr lang="en-US" sz="2800" b="0" i="1" kern="0" smtClean="0">
                                     <a:effectLst/>
                                     <a:latin typeface="Cambria Math" panose="02040503050406030204" pitchFamily="18" charset="0"/>
                                     <a:ea typeface="Calibri" panose="020F0502020204030204" pitchFamily="34" charset="0"/>
                                     <a:cs typeface="B Nazanin" panose="00000400000000000000" pitchFamily="2" charset="-78"/>
                                   </a:rPr>
-                                  <m:t>𝑗</m:t>
+                                  <m:t>𝑖</m:t>
                                 </m:r>
                                 <m:r>
-                                  <a:rPr lang="en-US" sz="2800" i="1" kern="0">
+                                  <a:rPr lang="en-US" sz="2800" b="0" i="1" kern="0" smtClean="0">
                                     <a:effectLst/>
                                     <a:latin typeface="Cambria Math" panose="02040503050406030204" pitchFamily="18" charset="0"/>
-                                    <a:ea typeface="Calibri" panose="020F0502020204030204" pitchFamily="34" charset="0"/>
+                                    <a:ea typeface="Cambria Math" panose="02040503050406030204" pitchFamily="18" charset="0"/>
                                     <a:cs typeface="B Nazanin" panose="00000400000000000000" pitchFamily="2" charset="-78"/>
                                   </a:rPr>
                                   <m:t>≠</m:t>
                                 </m:r>
                                 <m:r>
-                                  <a:rPr lang="en-US" sz="2800" i="1" kern="0">
+                                  <a:rPr lang="en-US" sz="2800" b="0" i="1" kern="0" smtClean="0">
                                     <a:effectLst/>
                                     <a:latin typeface="Cambria Math" panose="02040503050406030204" pitchFamily="18" charset="0"/>
-                                    <a:ea typeface="Calibri" panose="020F0502020204030204" pitchFamily="34" charset="0"/>
+                                    <a:ea typeface="Cambria Math" panose="02040503050406030204" pitchFamily="18" charset="0"/>
                                     <a:cs typeface="B Nazanin" panose="00000400000000000000" pitchFamily="2" charset="-78"/>
                                   </a:rPr>
-                                  <m:t>𝑣</m:t>
+                                  <m:t>𝑢</m:t>
                                 </m:r>
                               </m:e>
                             </m:mr>
@@ -13970,7 +13969,7 @@
             </p:txBody>
           </p:sp>
         </mc:Choice>
-        <mc:Fallback xmlns="">
+        <mc:Fallback>
           <p:sp>
             <p:nvSpPr>
               <p:cNvPr id="3" name="Content Placeholder 2">
@@ -17264,6 +17263,15 @@
 </file>
 
 <file path=customXml/item1.xml><?xml version="1.0" encoding="utf-8"?>
+<?mso-contentType ?>
+<FormTemplates xmlns="http://schemas.microsoft.com/sharepoint/v3/contenttype/forms">
+  <Display>DocumentLibraryForm</Display>
+  <Edit>DocumentLibraryForm</Edit>
+  <New>DocumentLibraryForm</New>
+</FormTemplates>
+</file>
+
+<file path=customXml/item2.xml><?xml version="1.0" encoding="utf-8"?>
 <ct:contentTypeSchema xmlns:ct="http://schemas.microsoft.com/office/2006/metadata/contentType" xmlns:ma="http://schemas.microsoft.com/office/2006/metadata/properties/metaAttributes" ct:_="" ma:_="" ma:contentTypeName="Document" ma:contentTypeID="0x01010079F111ED35F8CC479449609E8A0923A6" ma:contentTypeVersion="28" ma:contentTypeDescription="Create a new document." ma:contentTypeScope="" ma:versionID="60f5a4f2d2b0abadcf532d48ebf9cb71">
   <xsd:schema xmlns:xsd="http://www.w3.org/2001/XMLSchema" xmlns:xs="http://www.w3.org/2001/XMLSchema" xmlns:p="http://schemas.microsoft.com/office/2006/metadata/properties" xmlns:ns1="http://schemas.microsoft.com/sharepoint/v3" xmlns:ns2="71af3243-3dd4-4a8d-8c0d-dd76da1f02a5" xmlns:ns3="16c05727-aa75-4e4a-9b5f-8a80a1165891" xmlns:ns4="230e9df3-be65-4c73-a93b-d1236ebd677e" targetNamespace="http://schemas.microsoft.com/office/2006/metadata/properties" ma:root="true" ma:fieldsID="7dd78129e6a1811f84807ad11c651531" ns1:_="" ns2:_="" ns3:_="" ns4:_="">
     <xsd:import namespace="http://schemas.microsoft.com/sharepoint/v3"/>
@@ -17575,15 +17583,6 @@
 </ct:contentTypeSchema>
 </file>
 
-<file path=customXml/item2.xml><?xml version="1.0" encoding="utf-8"?>
-<?mso-contentType ?>
-<FormTemplates xmlns="http://schemas.microsoft.com/sharepoint/v3/contenttype/forms">
-  <Display>DocumentLibraryForm</Display>
-  <Edit>DocumentLibraryForm</Edit>
-  <New>DocumentLibraryForm</New>
-</FormTemplates>
-</file>
-
 <file path=customXml/item3.xml><?xml version="1.0" encoding="utf-8"?>
 <p:properties xmlns:p="http://schemas.microsoft.com/office/2006/metadata/properties" xmlns:xsi="http://www.w3.org/2001/XMLSchema-instance" xmlns:pc="http://schemas.microsoft.com/office/infopath/2007/PartnerControls">
   <documentManagement>
@@ -17605,6 +17604,14 @@
 </file>
 
 <file path=customXml/itemProps1.xml><?xml version="1.0" encoding="utf-8"?>
+<ds:datastoreItem xmlns:ds="http://schemas.openxmlformats.org/officeDocument/2006/customXml" ds:itemID="{45A8381C-73EB-48EA-B45F-7B7C8C7DF409}">
+  <ds:schemaRefs>
+    <ds:schemaRef ds:uri="http://schemas.microsoft.com/sharepoint/v3/contenttype/forms"/>
+  </ds:schemaRefs>
+</ds:datastoreItem>
+</file>
+
+<file path=customXml/itemProps2.xml><?xml version="1.0" encoding="utf-8"?>
 <ds:datastoreItem xmlns:ds="http://schemas.openxmlformats.org/officeDocument/2006/customXml" ds:itemID="{5AA6A711-2C3F-4EC0-B88B-62D740851176}">
   <ds:schemaRefs>
     <ds:schemaRef ds:uri="http://schemas.microsoft.com/office/2006/metadata/contentType"/>
@@ -17625,14 +17632,6 @@
 </ds:datastoreItem>
 </file>
 
-<file path=customXml/itemProps2.xml><?xml version="1.0" encoding="utf-8"?>
-<ds:datastoreItem xmlns:ds="http://schemas.openxmlformats.org/officeDocument/2006/customXml" ds:itemID="{45A8381C-73EB-48EA-B45F-7B7C8C7DF409}">
-  <ds:schemaRefs>
-    <ds:schemaRef ds:uri="http://schemas.microsoft.com/sharepoint/v3/contenttype/forms"/>
-  </ds:schemaRefs>
-</ds:datastoreItem>
-</file>
-
 <file path=customXml/itemProps3.xml><?xml version="1.0" encoding="utf-8"?>
 <ds:datastoreItem xmlns:ds="http://schemas.openxmlformats.org/officeDocument/2006/customXml" ds:itemID="{61E98C35-9ECE-4425-BCBA-00E118C705CE}">
   <ds:schemaRefs>

--- a/dnn/presentation/presentation_part3.pptx
+++ b/dnn/presentation/presentation_part3.pptx
@@ -240,7 +240,7 @@
           <a:p>
             <a:fld id="{9D8190EA-5EEC-4300-B6AE-D9734C6C648E}" type="datetimeFigureOut">
               <a:rPr lang="en-US" smtClean="0"/>
-              <a:t>4/7/2024</a:t>
+              <a:t>4/10/2024</a:t>
             </a:fld>
             <a:endParaRPr lang="en-US" dirty="0"/>
           </a:p>
@@ -417,7 +417,7 @@
           <a:p>
             <a:fld id="{7487ADD9-2083-264C-A652-8D52D02F7E72}" type="datetimeFigureOut">
               <a:rPr lang="en-US" smtClean="0"/>
-              <a:t>4/7/2024</a:t>
+              <a:t>4/10/2024</a:t>
             </a:fld>
             <a:endParaRPr lang="en-US" dirty="0"/>
           </a:p>
@@ -759,6 +759,90 @@
     <p:extLst>
       <p:ext uri="{BB962C8B-B14F-4D97-AF65-F5344CB8AC3E}">
         <p14:creationId xmlns:p14="http://schemas.microsoft.com/office/powerpoint/2010/main" val="2169385847"/>
+      </p:ext>
+    </p:extLst>
+  </p:cSld>
+  <p:clrMapOvr>
+    <a:masterClrMapping/>
+  </p:clrMapOvr>
+</p:notes>
+</file>
+
+<file path=ppt/notesSlides/notesSlide2.xml><?xml version="1.0" encoding="utf-8"?>
+<p:notes xmlns:a="http://schemas.openxmlformats.org/drawingml/2006/main" xmlns:r="http://schemas.openxmlformats.org/officeDocument/2006/relationships" xmlns:p="http://schemas.openxmlformats.org/presentationml/2006/main">
+  <p:cSld>
+    <p:spTree>
+      <p:nvGrpSpPr>
+        <p:cNvPr id="1" name=""/>
+        <p:cNvGrpSpPr/>
+        <p:nvPr/>
+      </p:nvGrpSpPr>
+      <p:grpSpPr>
+        <a:xfrm>
+          <a:off x="0" y="0"/>
+          <a:ext cx="0" cy="0"/>
+          <a:chOff x="0" y="0"/>
+          <a:chExt cx="0" cy="0"/>
+        </a:xfrm>
+      </p:grpSpPr>
+      <p:sp>
+        <p:nvSpPr>
+          <p:cNvPr id="2" name="Slide Image Placeholder 1"/>
+          <p:cNvSpPr>
+            <a:spLocks noGrp="1" noRot="1" noChangeAspect="1"/>
+          </p:cNvSpPr>
+          <p:nvPr>
+            <p:ph type="sldImg"/>
+          </p:nvPr>
+        </p:nvSpPr>
+        <p:spPr/>
+      </p:sp>
+      <p:sp>
+        <p:nvSpPr>
+          <p:cNvPr id="3" name="Notes Placeholder 2"/>
+          <p:cNvSpPr>
+            <a:spLocks noGrp="1"/>
+          </p:cNvSpPr>
+          <p:nvPr>
+            <p:ph type="body" idx="1"/>
+          </p:nvPr>
+        </p:nvSpPr>
+        <p:spPr/>
+        <p:txBody>
+          <a:bodyPr/>
+          <a:lstStyle/>
+          <a:p>
+            <a:endParaRPr lang="en-US" dirty="0"/>
+          </a:p>
+        </p:txBody>
+      </p:sp>
+      <p:sp>
+        <p:nvSpPr>
+          <p:cNvPr id="4" name="Slide Number Placeholder 3"/>
+          <p:cNvSpPr>
+            <a:spLocks noGrp="1"/>
+          </p:cNvSpPr>
+          <p:nvPr>
+            <p:ph type="sldNum" sz="quarter" idx="5"/>
+          </p:nvPr>
+        </p:nvSpPr>
+        <p:spPr/>
+        <p:txBody>
+          <a:bodyPr/>
+          <a:lstStyle/>
+          <a:p>
+            <a:fld id="{F97DC217-DF71-1A49-B3EA-559F1F43B0FF}" type="slidenum">
+              <a:rPr lang="en-US" smtClean="0"/>
+              <a:t>9</a:t>
+            </a:fld>
+            <a:endParaRPr lang="en-US" dirty="0"/>
+          </a:p>
+        </p:txBody>
+      </p:sp>
+    </p:spTree>
+    <p:extLst>
+      <p:ext uri="{BB962C8B-B14F-4D97-AF65-F5344CB8AC3E}">
+        <p14:creationId xmlns:p14="http://schemas.microsoft.com/office/powerpoint/2010/main" val="1764823444"/>
       </p:ext>
     </p:extLst>
   </p:cSld>
@@ -8192,8 +8276,8 @@
           </a:p>
         </p:txBody>
       </p:sp>
-      <mc:AlternateContent xmlns:mc="http://schemas.openxmlformats.org/markup-compatibility/2006" xmlns:a14="http://schemas.microsoft.com/office/drawing/2010/main">
-        <mc:Choice Requires="a14">
+      <mc:AlternateContent xmlns:mc="http://schemas.openxmlformats.org/markup-compatibility/2006">
+        <mc:Choice xmlns:a14="http://schemas.microsoft.com/office/drawing/2010/main" Requires="a14">
           <p:sp>
             <p:nvSpPr>
               <p:cNvPr id="3" name="Content Placeholder 2">
@@ -8227,7 +8311,7 @@
                     </m:oMathParaPr>
                     <m:oMath xmlns:m="http://schemas.openxmlformats.org/officeDocument/2006/math">
                       <m:r>
-                        <a:rPr lang="en-US" sz="2400" i="1" kern="0" smtClean="0">
+                        <a:rPr lang="en-US" sz="2400" i="1" kern="0">
                           <a:latin typeface="Cambria Math" panose="02040503050406030204" pitchFamily="18" charset="0"/>
                           <a:ea typeface="Calibri" panose="020F0502020204030204" pitchFamily="34" charset="0"/>
                           <a:cs typeface="B Nazanin" panose="00000400000000000000" pitchFamily="2" charset="-78"/>
@@ -8237,7 +8321,7 @@
                       <m:d>
                         <m:dPr>
                           <m:ctrlPr>
-                            <a:rPr lang="en-US" i="1">
+                            <a:rPr lang="en-US" sz="2400" i="1">
                               <a:latin typeface="Cambria Math" panose="02040503050406030204" pitchFamily="18" charset="0"/>
                               <a:ea typeface="Times New Roman" panose="02020603050405020304" pitchFamily="18" charset="0"/>
                             </a:rPr>
@@ -8264,7 +8348,7 @@
                             <m:accPr>
                               <m:chr m:val="̂"/>
                               <m:ctrlPr>
-                                <a:rPr lang="en-US" i="1">
+                                <a:rPr lang="en-US" sz="2400" i="1">
                                   <a:latin typeface="Cambria Math" panose="02040503050406030204" pitchFamily="18" charset="0"/>
                                 </a:rPr>
                               </m:ctrlPr>
@@ -8283,7 +8367,7 @@
                         </m:e>
                       </m:d>
                       <m:r>
-                        <a:rPr lang="en-US" i="1" kern="0">
+                        <a:rPr lang="en-US" sz="2400" i="1" kern="0">
                           <a:latin typeface="Cambria Math" panose="02040503050406030204" pitchFamily="18" charset="0"/>
                           <a:ea typeface="Calibri" panose="020F0502020204030204" pitchFamily="34" charset="0"/>
                           <a:cs typeface="B Nazanin" panose="00000400000000000000" pitchFamily="2" charset="-78"/>
@@ -8295,14 +8379,14 @@
                           <m:chr m:val="∑"/>
                           <m:limLoc m:val="undOvr"/>
                           <m:ctrlPr>
-                            <a:rPr lang="en-US" i="1">
+                            <a:rPr lang="en-US" sz="2400" i="1">
                               <a:latin typeface="Cambria Math" panose="02040503050406030204" pitchFamily="18" charset="0"/>
                             </a:rPr>
                           </m:ctrlPr>
                         </m:naryPr>
                         <m:sub>
                           <m:r>
-                            <a:rPr lang="en-US" i="1" kern="0">
+                            <a:rPr lang="en-US" sz="2400" i="1" kern="0">
                               <a:latin typeface="Cambria Math" panose="02040503050406030204" pitchFamily="18" charset="0"/>
                               <a:ea typeface="Calibri" panose="020F0502020204030204" pitchFamily="34" charset="0"/>
                               <a:cs typeface="B Nazanin" panose="00000400000000000000" pitchFamily="2" charset="-78"/>
@@ -8310,7 +8394,7 @@
                             <m:t>𝑖</m:t>
                           </m:r>
                           <m:r>
-                            <a:rPr lang="en-US" i="1" kern="0">
+                            <a:rPr lang="en-US" sz="2400" i="1" kern="0">
                               <a:latin typeface="Cambria Math" panose="02040503050406030204" pitchFamily="18" charset="0"/>
                               <a:ea typeface="Calibri" panose="020F0502020204030204" pitchFamily="34" charset="0"/>
                               <a:cs typeface="B Nazanin" panose="00000400000000000000" pitchFamily="2" charset="-78"/>
@@ -8318,7 +8402,7 @@
                             <m:t>=</m:t>
                           </m:r>
                           <m:r>
-                            <a:rPr lang="en-US" i="1" kern="0">
+                            <a:rPr lang="en-US" sz="2400" i="1" kern="0">
                               <a:latin typeface="Cambria Math" panose="02040503050406030204" pitchFamily="18" charset="0"/>
                               <a:ea typeface="Calibri" panose="020F0502020204030204" pitchFamily="34" charset="0"/>
                               <a:cs typeface="B Nazanin" panose="00000400000000000000" pitchFamily="2" charset="-78"/>
@@ -8327,35 +8411,14 @@
                           </m:r>
                         </m:sub>
                         <m:sup>
-                          <m:sSub>
-                            <m:sSubPr>
-                              <m:ctrlPr>
-                                <a:rPr lang="en-US" i="1">
-                                  <a:latin typeface="Cambria Math" panose="02040503050406030204" pitchFamily="18" charset="0"/>
-                                </a:rPr>
-                              </m:ctrlPr>
-                            </m:sSubPr>
-                            <m:e>
-                              <m:r>
-                                <a:rPr lang="en-US" i="1" kern="0">
-                                  <a:latin typeface="Cambria Math" panose="02040503050406030204" pitchFamily="18" charset="0"/>
-                                  <a:ea typeface="Calibri" panose="020F0502020204030204" pitchFamily="34" charset="0"/>
-                                  <a:cs typeface="B Nazanin" panose="00000400000000000000" pitchFamily="2" charset="-78"/>
-                                </a:rPr>
-                                <m:t>𝑛</m:t>
-                              </m:r>
-                            </m:e>
-                            <m:sub>
-                              <m:r>
-                                <a:rPr lang="en-US" i="1" kern="0">
-                                  <a:latin typeface="Cambria Math" panose="02040503050406030204" pitchFamily="18" charset="0"/>
-                                  <a:ea typeface="Calibri" panose="020F0502020204030204" pitchFamily="34" charset="0"/>
-                                  <a:cs typeface="B Nazanin" panose="00000400000000000000" pitchFamily="2" charset="-78"/>
-                                </a:rPr>
-                                <m:t>𝑦</m:t>
-                              </m:r>
-                            </m:sub>
-                          </m:sSub>
+                          <m:r>
+                            <a:rPr lang="en-US" sz="2400" i="1" kern="0">
+                              <a:latin typeface="Cambria Math" panose="02040503050406030204" pitchFamily="18" charset="0"/>
+                              <a:ea typeface="Calibri" panose="020F0502020204030204" pitchFamily="34" charset="0"/>
+                              <a:cs typeface="B Nazanin" panose="00000400000000000000" pitchFamily="2" charset="-78"/>
+                            </a:rPr>
+                            <m:t>𝑛</m:t>
+                          </m:r>
                         </m:sup>
                         <m:e>
                           <m:nary>
@@ -8363,7 +8426,7 @@
                               <m:chr m:val="∑"/>
                               <m:limLoc m:val="undOvr"/>
                               <m:ctrlPr>
-                                <a:rPr lang="en-US" i="1">
+                                <a:rPr lang="en-US" sz="2400" i="1">
                                   <a:latin typeface="Cambria Math" panose="02040503050406030204" pitchFamily="18" charset="0"/>
                                 </a:rPr>
                               </m:ctrlPr>
@@ -8395,20 +8458,41 @@
                               </m:r>
                             </m:sub>
                             <m:sup>
-                              <m:r>
-                                <a:rPr lang="en-US" sz="2400" i="1" kern="0">
-                                  <a:latin typeface="Cambria Math" panose="02040503050406030204" pitchFamily="18" charset="0"/>
-                                  <a:ea typeface="Calibri" panose="020F0502020204030204" pitchFamily="34" charset="0"/>
-                                  <a:cs typeface="B Nazanin" panose="00000400000000000000" pitchFamily="2" charset="-78"/>
-                                </a:rPr>
-                                <m:t>𝑚</m:t>
-                              </m:r>
+                              <m:sSub>
+                                <m:sSubPr>
+                                  <m:ctrlPr>
+                                    <a:rPr lang="en-US" sz="2400" i="1">
+                                      <a:latin typeface="Cambria Math" panose="02040503050406030204" pitchFamily="18" charset="0"/>
+                                    </a:rPr>
+                                  </m:ctrlPr>
+                                </m:sSubPr>
+                                <m:e>
+                                  <m:r>
+                                    <a:rPr lang="en-US" sz="2400" i="1" kern="0">
+                                      <a:latin typeface="Cambria Math" panose="02040503050406030204" pitchFamily="18" charset="0"/>
+                                      <a:ea typeface="Calibri" panose="020F0502020204030204" pitchFamily="34" charset="0"/>
+                                      <a:cs typeface="B Nazanin" panose="00000400000000000000" pitchFamily="2" charset="-78"/>
+                                    </a:rPr>
+                                    <m:t>𝑚</m:t>
+                                  </m:r>
+                                </m:e>
+                                <m:sub>
+                                  <m:r>
+                                    <a:rPr lang="en-US" sz="2400" i="1" kern="0">
+                                      <a:latin typeface="Cambria Math" panose="02040503050406030204" pitchFamily="18" charset="0"/>
+                                      <a:ea typeface="Calibri" panose="020F0502020204030204" pitchFamily="34" charset="0"/>
+                                      <a:cs typeface="B Nazanin" panose="00000400000000000000" pitchFamily="2" charset="-78"/>
+                                    </a:rPr>
+                                    <m:t>𝑦</m:t>
+                                  </m:r>
+                                </m:sub>
+                              </m:sSub>
                             </m:sup>
                             <m:e>
                               <m:d>
                                 <m:dPr>
                                   <m:ctrlPr>
-                                    <a:rPr lang="en-US" i="1">
+                                    <a:rPr lang="en-US" sz="2400" i="1">
                                       <a:latin typeface="Cambria Math" panose="02040503050406030204" pitchFamily="18" charset="0"/>
                                     </a:rPr>
                                   </m:ctrlPr>
@@ -8417,10 +8501,7 @@
                                   <m:sSub>
                                     <m:sSubPr>
                                       <m:ctrlPr>
-                                        <a:rPr lang="en-US" i="1">
-                                          <a:solidFill>
-                                            <a:prstClr val="black"/>
-                                          </a:solidFill>
+                                        <a:rPr lang="en-US" sz="2400" i="1">
                                           <a:latin typeface="Cambria Math" panose="02040503050406030204" pitchFamily="18" charset="0"/>
                                           <a:ea typeface="Times New Roman" panose="02020603050405020304" pitchFamily="18" charset="0"/>
                                         </a:rPr>
@@ -8428,10 +8509,7 @@
                                     </m:sSubPr>
                                     <m:e>
                                       <m:r>
-                                        <a:rPr lang="en-US" i="1" kern="0">
-                                          <a:solidFill>
-                                            <a:prstClr val="black"/>
-                                          </a:solidFill>
+                                        <a:rPr lang="en-US" sz="2400" i="1" kern="0">
                                           <a:latin typeface="Cambria Math" panose="02040503050406030204" pitchFamily="18" charset="0"/>
                                           <a:ea typeface="Times New Roman" panose="02020603050405020304" pitchFamily="18" charset="0"/>
                                           <a:cs typeface="B Nazanin" panose="00000400000000000000" pitchFamily="2" charset="-78"/>
@@ -8441,10 +8519,7 @@
                                     </m:e>
                                     <m:sub>
                                       <m:r>
-                                        <a:rPr lang="en-US" i="1" kern="0">
-                                          <a:solidFill>
-                                            <a:prstClr val="black"/>
-                                          </a:solidFill>
+                                        <a:rPr lang="en-US" sz="2400" i="1" kern="0">
                                           <a:latin typeface="Cambria Math" panose="02040503050406030204" pitchFamily="18" charset="0"/>
                                           <a:ea typeface="Times New Roman" panose="02020603050405020304" pitchFamily="18" charset="0"/>
                                           <a:cs typeface="B Nazanin" panose="00000400000000000000" pitchFamily="2" charset="-78"/>
@@ -8452,10 +8527,7 @@
                                         <m:t>𝑖</m:t>
                                       </m:r>
                                       <m:r>
-                                        <a:rPr lang="en-US" i="1" kern="0">
-                                          <a:solidFill>
-                                            <a:prstClr val="black"/>
-                                          </a:solidFill>
+                                        <a:rPr lang="en-US" sz="2400" i="1" kern="0">
                                           <a:latin typeface="Cambria Math" panose="02040503050406030204" pitchFamily="18" charset="0"/>
                                           <a:ea typeface="Times New Roman" panose="02020603050405020304" pitchFamily="18" charset="0"/>
                                           <a:cs typeface="B Nazanin" panose="00000400000000000000" pitchFamily="2" charset="-78"/>
@@ -8463,10 +8535,7 @@
                                         <m:t>,</m:t>
                                       </m:r>
                                       <m:r>
-                                        <a:rPr lang="en-US" i="1" kern="0">
-                                          <a:solidFill>
-                                            <a:prstClr val="black"/>
-                                          </a:solidFill>
+                                        <a:rPr lang="en-US" sz="2400" i="1" kern="0">
                                           <a:latin typeface="Cambria Math" panose="02040503050406030204" pitchFamily="18" charset="0"/>
                                           <a:ea typeface="Times New Roman" panose="02020603050405020304" pitchFamily="18" charset="0"/>
                                           <a:cs typeface="B Nazanin" panose="00000400000000000000" pitchFamily="2" charset="-78"/>
@@ -8478,11 +8547,9 @@
                                   <m:func>
                                     <m:funcPr>
                                       <m:ctrlPr>
-                                        <a:rPr lang="en-US" i="1">
-                                          <a:solidFill>
-                                            <a:prstClr val="black"/>
-                                          </a:solidFill>
+                                        <a:rPr lang="en-US" sz="2400" i="1">
                                           <a:latin typeface="Cambria Math" panose="02040503050406030204" pitchFamily="18" charset="0"/>
+                                          <a:ea typeface="Times New Roman" panose="02020603050405020304" pitchFamily="18" charset="0"/>
                                         </a:rPr>
                                       </m:ctrlPr>
                                     </m:funcPr>
@@ -8491,12 +8558,9 @@
                                         <m:rPr>
                                           <m:sty m:val="p"/>
                                         </m:rPr>
-                                        <a:rPr lang="en-US" kern="0">
-                                          <a:solidFill>
-                                            <a:prstClr val="black"/>
-                                          </a:solidFill>
+                                        <a:rPr lang="en-US" sz="2400" kern="0">
                                           <a:latin typeface="Cambria Math" panose="02040503050406030204" pitchFamily="18" charset="0"/>
-                                          <a:ea typeface="Calibri" panose="020F0502020204030204" pitchFamily="34" charset="0"/>
+                                          <a:ea typeface="Times New Roman" panose="02020603050405020304" pitchFamily="18" charset="0"/>
                                           <a:cs typeface="B Nazanin" panose="00000400000000000000" pitchFamily="2" charset="-78"/>
                                         </a:rPr>
                                         <m:t>log</m:t>
@@ -8506,11 +8570,9 @@
                                       <m:d>
                                         <m:dPr>
                                           <m:ctrlPr>
-                                            <a:rPr lang="en-US" i="1">
-                                              <a:solidFill>
-                                                <a:prstClr val="black"/>
-                                              </a:solidFill>
+                                            <a:rPr lang="en-US" sz="2400" i="1">
                                               <a:latin typeface="Cambria Math" panose="02040503050406030204" pitchFamily="18" charset="0"/>
+                                              <a:ea typeface="Times New Roman" panose="02020603050405020304" pitchFamily="18" charset="0"/>
                                             </a:rPr>
                                           </m:ctrlPr>
                                         </m:dPr>
@@ -8518,10 +8580,7 @@
                                           <m:sSub>
                                             <m:sSubPr>
                                               <m:ctrlPr>
-                                                <a:rPr lang="en-US" i="1">
-                                                  <a:solidFill>
-                                                    <a:prstClr val="black"/>
-                                                  </a:solidFill>
+                                                <a:rPr lang="en-US" sz="2400" i="1">
                                                   <a:latin typeface="Cambria Math" panose="02040503050406030204" pitchFamily="18" charset="0"/>
                                                 </a:rPr>
                                               </m:ctrlPr>
@@ -8531,20 +8590,14 @@
                                                 <m:accPr>
                                                   <m:chr m:val="̂"/>
                                                   <m:ctrlPr>
-                                                    <a:rPr lang="en-US" i="1">
-                                                      <a:solidFill>
-                                                        <a:prstClr val="black"/>
-                                                      </a:solidFill>
+                                                    <a:rPr lang="en-US" sz="2400" i="1">
                                                       <a:latin typeface="Cambria Math" panose="02040503050406030204" pitchFamily="18" charset="0"/>
                                                     </a:rPr>
                                                   </m:ctrlPr>
                                                 </m:accPr>
                                                 <m:e>
                                                   <m:r>
-                                                    <a:rPr lang="en-US" i="1" kern="0">
-                                                      <a:solidFill>
-                                                        <a:prstClr val="black"/>
-                                                      </a:solidFill>
+                                                    <a:rPr lang="en-US" sz="2400" i="1" kern="0">
                                                       <a:latin typeface="Cambria Math" panose="02040503050406030204" pitchFamily="18" charset="0"/>
                                                       <a:ea typeface="Calibri" panose="020F0502020204030204" pitchFamily="34" charset="0"/>
                                                       <a:cs typeface="B Nazanin" panose="00000400000000000000" pitchFamily="2" charset="-78"/>
@@ -8556,10 +8609,7 @@
                                             </m:e>
                                             <m:sub>
                                               <m:r>
-                                                <a:rPr lang="en-US" i="1" kern="0">
-                                                  <a:solidFill>
-                                                    <a:prstClr val="black"/>
-                                                  </a:solidFill>
+                                                <a:rPr lang="en-US" sz="2400" i="1" kern="0">
                                                   <a:latin typeface="Cambria Math" panose="02040503050406030204" pitchFamily="18" charset="0"/>
                                                   <a:ea typeface="Times New Roman" panose="02020603050405020304" pitchFamily="18" charset="0"/>
                                                   <a:cs typeface="B Nazanin" panose="00000400000000000000" pitchFamily="2" charset="-78"/>
@@ -8567,10 +8617,7 @@
                                                 <m:t>𝑖</m:t>
                                               </m:r>
                                               <m:r>
-                                                <a:rPr lang="en-US" i="1" kern="0">
-                                                  <a:solidFill>
-                                                    <a:prstClr val="black"/>
-                                                  </a:solidFill>
+                                                <a:rPr lang="en-US" sz="2400" i="1" kern="0">
                                                   <a:latin typeface="Cambria Math" panose="02040503050406030204" pitchFamily="18" charset="0"/>
                                                   <a:ea typeface="Times New Roman" panose="02020603050405020304" pitchFamily="18" charset="0"/>
                                                   <a:cs typeface="B Nazanin" panose="00000400000000000000" pitchFamily="2" charset="-78"/>
@@ -8578,10 +8625,7 @@
                                                 <m:t>,</m:t>
                                               </m:r>
                                               <m:r>
-                                                <a:rPr lang="en-US" i="1" kern="0">
-                                                  <a:solidFill>
-                                                    <a:prstClr val="black"/>
-                                                  </a:solidFill>
+                                                <a:rPr lang="en-US" sz="2400" i="1" kern="0">
                                                   <a:latin typeface="Cambria Math" panose="02040503050406030204" pitchFamily="18" charset="0"/>
                                                   <a:ea typeface="Times New Roman" panose="02020603050405020304" pitchFamily="18" charset="0"/>
                                                   <a:cs typeface="B Nazanin" panose="00000400000000000000" pitchFamily="2" charset="-78"/>
@@ -9029,7 +9073,7 @@
             </p:txBody>
           </p:sp>
         </mc:Choice>
-        <mc:Fallback xmlns="">
+        <mc:Fallback>
           <p:sp>
             <p:nvSpPr>
               <p:cNvPr id="3" name="Content Placeholder 2">
@@ -12562,8 +12606,8 @@
           </a:p>
         </p:txBody>
       </p:sp>
-      <mc:AlternateContent xmlns:mc="http://schemas.openxmlformats.org/markup-compatibility/2006">
-        <mc:Choice xmlns:a14="http://schemas.microsoft.com/office/drawing/2010/main" Requires="a14">
+      <mc:AlternateContent xmlns:mc="http://schemas.openxmlformats.org/markup-compatibility/2006" xmlns:a14="http://schemas.microsoft.com/office/drawing/2010/main">
+        <mc:Choice Requires="a14">
           <p:sp>
             <p:nvSpPr>
               <p:cNvPr id="3" name="Content Placeholder 2">
@@ -13969,7 +14013,7 @@
             </p:txBody>
           </p:sp>
         </mc:Choice>
-        <mc:Fallback>
+        <mc:Fallback xmlns="">
           <p:sp>
             <p:nvSpPr>
               <p:cNvPr id="3" name="Content Placeholder 2">
@@ -14150,8 +14194,8 @@
           </a:p>
         </p:txBody>
       </p:sp>
-      <mc:AlternateContent xmlns:mc="http://schemas.openxmlformats.org/markup-compatibility/2006" xmlns:a14="http://schemas.microsoft.com/office/drawing/2010/main">
-        <mc:Choice Requires="a14">
+      <mc:AlternateContent xmlns:mc="http://schemas.openxmlformats.org/markup-compatibility/2006">
+        <mc:Choice xmlns:a14="http://schemas.microsoft.com/office/drawing/2010/main" Requires="a14">
           <p:sp>
             <p:nvSpPr>
               <p:cNvPr id="3" name="Content Placeholder 2">
@@ -14185,7 +14229,7 @@
                     </m:oMathParaPr>
                     <m:oMath xmlns:m="http://schemas.openxmlformats.org/officeDocument/2006/math">
                       <m:r>
-                        <a:rPr lang="en-US" i="1" kern="0" smtClean="0">
+                        <a:rPr lang="en-US" i="1" kern="0">
                           <a:latin typeface="Cambria Math" panose="02040503050406030204" pitchFamily="18" charset="0"/>
                           <a:ea typeface="Calibri" panose="020F0502020204030204" pitchFamily="34" charset="0"/>
                           <a:cs typeface="B Nazanin" panose="00000400000000000000" pitchFamily="2" charset="-78"/>
@@ -14314,35 +14358,14 @@
                           </m:r>
                         </m:sub>
                         <m:sup>
-                          <m:sSub>
-                            <m:sSubPr>
-                              <m:ctrlPr>
-                                <a:rPr lang="en-US" i="1">
-                                  <a:latin typeface="Cambria Math" panose="02040503050406030204" pitchFamily="18" charset="0"/>
-                                </a:rPr>
-                              </m:ctrlPr>
-                            </m:sSubPr>
-                            <m:e>
-                              <m:r>
-                                <a:rPr lang="en-US" i="1" kern="0">
-                                  <a:latin typeface="Cambria Math" panose="02040503050406030204" pitchFamily="18" charset="0"/>
-                                  <a:ea typeface="Calibri" panose="020F0502020204030204" pitchFamily="34" charset="0"/>
-                                  <a:cs typeface="B Nazanin" panose="00000400000000000000" pitchFamily="2" charset="-78"/>
-                                </a:rPr>
-                                <m:t>𝑛</m:t>
-                              </m:r>
-                            </m:e>
-                            <m:sub>
-                              <m:r>
-                                <a:rPr lang="en-US" i="1" kern="0">
-                                  <a:latin typeface="Cambria Math" panose="02040503050406030204" pitchFamily="18" charset="0"/>
-                                  <a:ea typeface="Calibri" panose="020F0502020204030204" pitchFamily="34" charset="0"/>
-                                  <a:cs typeface="B Nazanin" panose="00000400000000000000" pitchFamily="2" charset="-78"/>
-                                </a:rPr>
-                                <m:t>𝑦</m:t>
-                              </m:r>
-                            </m:sub>
-                          </m:sSub>
+                          <m:r>
+                            <a:rPr lang="en-US" i="1" kern="0">
+                              <a:latin typeface="Cambria Math" panose="02040503050406030204" pitchFamily="18" charset="0"/>
+                              <a:ea typeface="Calibri" panose="020F0502020204030204" pitchFamily="34" charset="0"/>
+                              <a:cs typeface="B Nazanin" panose="00000400000000000000" pitchFamily="2" charset="-78"/>
+                            </a:rPr>
+                            <m:t>𝑛</m:t>
+                          </m:r>
                         </m:sup>
                         <m:e>
                           <m:nary>
@@ -14382,14 +14405,35 @@
                               </m:r>
                             </m:sub>
                             <m:sup>
-                              <m:r>
-                                <a:rPr lang="en-US" i="1" kern="0">
-                                  <a:latin typeface="Cambria Math" panose="02040503050406030204" pitchFamily="18" charset="0"/>
-                                  <a:ea typeface="Calibri" panose="020F0502020204030204" pitchFamily="34" charset="0"/>
-                                  <a:cs typeface="B Nazanin" panose="00000400000000000000" pitchFamily="2" charset="-78"/>
-                                </a:rPr>
-                                <m:t>𝑚</m:t>
-                              </m:r>
+                              <m:sSub>
+                                <m:sSubPr>
+                                  <m:ctrlPr>
+                                    <a:rPr lang="en-US" i="1">
+                                      <a:latin typeface="Cambria Math" panose="02040503050406030204" pitchFamily="18" charset="0"/>
+                                    </a:rPr>
+                                  </m:ctrlPr>
+                                </m:sSubPr>
+                                <m:e>
+                                  <m:r>
+                                    <a:rPr lang="en-US" i="1" kern="0">
+                                      <a:latin typeface="Cambria Math" panose="02040503050406030204" pitchFamily="18" charset="0"/>
+                                      <a:ea typeface="Calibri" panose="020F0502020204030204" pitchFamily="34" charset="0"/>
+                                      <a:cs typeface="B Nazanin" panose="00000400000000000000" pitchFamily="2" charset="-78"/>
+                                    </a:rPr>
+                                    <m:t>𝑚</m:t>
+                                  </m:r>
+                                </m:e>
+                                <m:sub>
+                                  <m:r>
+                                    <a:rPr lang="en-US" i="1" kern="0">
+                                      <a:latin typeface="Cambria Math" panose="02040503050406030204" pitchFamily="18" charset="0"/>
+                                      <a:ea typeface="Calibri" panose="020F0502020204030204" pitchFamily="34" charset="0"/>
+                                      <a:cs typeface="B Nazanin" panose="00000400000000000000" pitchFamily="2" charset="-78"/>
+                                    </a:rPr>
+                                    <m:t>𝑦</m:t>
+                                  </m:r>
+                                </m:sub>
+                              </m:sSub>
                             </m:sup>
                             <m:e>
                               <m:sSup>
@@ -14961,7 +15005,7 @@
             </p:txBody>
           </p:sp>
         </mc:Choice>
-        <mc:Fallback xmlns="">
+        <mc:Fallback>
           <p:sp>
             <p:nvSpPr>
               <p:cNvPr id="3" name="Content Placeholder 2">
@@ -15059,8 +15103,8 @@
           </a:p>
         </p:txBody>
       </p:sp>
-      <mc:AlternateContent xmlns:mc="http://schemas.openxmlformats.org/markup-compatibility/2006" xmlns:a14="http://schemas.microsoft.com/office/drawing/2010/main">
-        <mc:Choice Requires="a14">
+      <mc:AlternateContent xmlns:mc="http://schemas.openxmlformats.org/markup-compatibility/2006">
+        <mc:Choice xmlns:a14="http://schemas.microsoft.com/office/drawing/2010/main" Requires="a14">
           <p:sp>
             <p:nvSpPr>
               <p:cNvPr id="3" name="Content Placeholder 2">
@@ -15094,7 +15138,7 @@
                     </m:oMathParaPr>
                     <m:oMath xmlns:m="http://schemas.openxmlformats.org/officeDocument/2006/math">
                       <m:r>
-                        <a:rPr lang="en-US" sz="2400" i="1" kern="0" smtClean="0">
+                        <a:rPr lang="en-US" sz="2000" i="1" kern="0">
                           <a:latin typeface="Cambria Math" panose="02040503050406030204" pitchFamily="18" charset="0"/>
                           <a:ea typeface="Calibri" panose="020F0502020204030204" pitchFamily="34" charset="0"/>
                           <a:cs typeface="B Nazanin" panose="00000400000000000000" pitchFamily="2" charset="-78"/>
@@ -15104,7 +15148,7 @@
                       <m:d>
                         <m:dPr>
                           <m:ctrlPr>
-                            <a:rPr lang="en-US" i="1">
+                            <a:rPr lang="en-US" sz="2400" i="1">
                               <a:latin typeface="Cambria Math" panose="02040503050406030204" pitchFamily="18" charset="0"/>
                               <a:ea typeface="Times New Roman" panose="02020603050405020304" pitchFamily="18" charset="0"/>
                             </a:rPr>
@@ -15112,7 +15156,7 @@
                         </m:dPr>
                         <m:e>
                           <m:r>
-                            <a:rPr lang="en-US" sz="2400" i="1" kern="0">
+                            <a:rPr lang="en-US" sz="2000" i="1" kern="0">
                               <a:latin typeface="Cambria Math" panose="02040503050406030204" pitchFamily="18" charset="0"/>
                               <a:ea typeface="Times New Roman" panose="02020603050405020304" pitchFamily="18" charset="0"/>
                               <a:cs typeface="B Nazanin" panose="00000400000000000000" pitchFamily="2" charset="-78"/>
@@ -15120,7 +15164,7 @@
                             <m:t>𝑌</m:t>
                           </m:r>
                           <m:r>
-                            <a:rPr lang="en-US" sz="2400" i="1" kern="0">
+                            <a:rPr lang="en-US" sz="2000" i="1" kern="0">
                               <a:latin typeface="Cambria Math" panose="02040503050406030204" pitchFamily="18" charset="0"/>
                               <a:ea typeface="Times New Roman" panose="02020603050405020304" pitchFamily="18" charset="0"/>
                               <a:cs typeface="B Nazanin" panose="00000400000000000000" pitchFamily="2" charset="-78"/>
@@ -15131,14 +15175,14 @@
                             <m:accPr>
                               <m:chr m:val="̂"/>
                               <m:ctrlPr>
-                                <a:rPr lang="en-US" i="1">
+                                <a:rPr lang="en-US" sz="2400" i="1">
                                   <a:latin typeface="Cambria Math" panose="02040503050406030204" pitchFamily="18" charset="0"/>
                                 </a:rPr>
                               </m:ctrlPr>
                             </m:accPr>
                             <m:e>
                               <m:r>
-                                <a:rPr lang="en-US" sz="2400" i="1" kern="0">
+                                <a:rPr lang="en-US" sz="2000" i="1" kern="0">
                                   <a:latin typeface="Cambria Math" panose="02040503050406030204" pitchFamily="18" charset="0"/>
                                   <a:ea typeface="Calibri" panose="020F0502020204030204" pitchFamily="34" charset="0"/>
                                   <a:cs typeface="B Nazanin" panose="00000400000000000000" pitchFamily="2" charset="-78"/>
@@ -15150,7 +15194,7 @@
                         </m:e>
                       </m:d>
                       <m:r>
-                        <a:rPr lang="en-US" i="1" kern="0">
+                        <a:rPr lang="en-US" sz="2400" i="1" kern="0">
                           <a:latin typeface="Cambria Math" panose="02040503050406030204" pitchFamily="18" charset="0"/>
                           <a:ea typeface="Calibri" panose="020F0502020204030204" pitchFamily="34" charset="0"/>
                           <a:cs typeface="B Nazanin" panose="00000400000000000000" pitchFamily="2" charset="-78"/>
@@ -15162,14 +15206,14 @@
                           <m:chr m:val="∑"/>
                           <m:limLoc m:val="undOvr"/>
                           <m:ctrlPr>
-                            <a:rPr lang="en-US" i="1">
+                            <a:rPr lang="en-US" sz="2400" i="1">
                               <a:latin typeface="Cambria Math" panose="02040503050406030204" pitchFamily="18" charset="0"/>
                             </a:rPr>
                           </m:ctrlPr>
                         </m:naryPr>
                         <m:sub>
                           <m:r>
-                            <a:rPr lang="en-US" i="1" kern="0">
+                            <a:rPr lang="en-US" sz="2400" i="1" kern="0">
                               <a:latin typeface="Cambria Math" panose="02040503050406030204" pitchFamily="18" charset="0"/>
                               <a:ea typeface="Calibri" panose="020F0502020204030204" pitchFamily="34" charset="0"/>
                               <a:cs typeface="B Nazanin" panose="00000400000000000000" pitchFamily="2" charset="-78"/>
@@ -15177,7 +15221,7 @@
                             <m:t>𝑖</m:t>
                           </m:r>
                           <m:r>
-                            <a:rPr lang="en-US" i="1" kern="0">
+                            <a:rPr lang="en-US" sz="2400" i="1" kern="0">
                               <a:latin typeface="Cambria Math" panose="02040503050406030204" pitchFamily="18" charset="0"/>
                               <a:ea typeface="Calibri" panose="020F0502020204030204" pitchFamily="34" charset="0"/>
                               <a:cs typeface="B Nazanin" panose="00000400000000000000" pitchFamily="2" charset="-78"/>
@@ -15185,7 +15229,7 @@
                             <m:t>=</m:t>
                           </m:r>
                           <m:r>
-                            <a:rPr lang="en-US" i="1" kern="0">
+                            <a:rPr lang="en-US" sz="2400" i="1" kern="0">
                               <a:latin typeface="Cambria Math" panose="02040503050406030204" pitchFamily="18" charset="0"/>
                               <a:ea typeface="Calibri" panose="020F0502020204030204" pitchFamily="34" charset="0"/>
                               <a:cs typeface="B Nazanin" panose="00000400000000000000" pitchFamily="2" charset="-78"/>
@@ -15194,35 +15238,14 @@
                           </m:r>
                         </m:sub>
                         <m:sup>
-                          <m:sSub>
-                            <m:sSubPr>
-                              <m:ctrlPr>
-                                <a:rPr lang="en-US" i="1">
-                                  <a:latin typeface="Cambria Math" panose="02040503050406030204" pitchFamily="18" charset="0"/>
-                                </a:rPr>
-                              </m:ctrlPr>
-                            </m:sSubPr>
-                            <m:e>
-                              <m:r>
-                                <a:rPr lang="en-US" i="1" kern="0">
-                                  <a:latin typeface="Cambria Math" panose="02040503050406030204" pitchFamily="18" charset="0"/>
-                                  <a:ea typeface="Calibri" panose="020F0502020204030204" pitchFamily="34" charset="0"/>
-                                  <a:cs typeface="B Nazanin" panose="00000400000000000000" pitchFamily="2" charset="-78"/>
-                                </a:rPr>
-                                <m:t>𝑛</m:t>
-                              </m:r>
-                            </m:e>
-                            <m:sub>
-                              <m:r>
-                                <a:rPr lang="en-US" i="1" kern="0">
-                                  <a:latin typeface="Cambria Math" panose="02040503050406030204" pitchFamily="18" charset="0"/>
-                                  <a:ea typeface="Calibri" panose="020F0502020204030204" pitchFamily="34" charset="0"/>
-                                  <a:cs typeface="B Nazanin" panose="00000400000000000000" pitchFamily="2" charset="-78"/>
-                                </a:rPr>
-                                <m:t>𝑦</m:t>
-                              </m:r>
-                            </m:sub>
-                          </m:sSub>
+                          <m:r>
+                            <a:rPr lang="en-US" sz="2400" i="1" kern="0">
+                              <a:latin typeface="Cambria Math" panose="02040503050406030204" pitchFamily="18" charset="0"/>
+                              <a:ea typeface="Calibri" panose="020F0502020204030204" pitchFamily="34" charset="0"/>
+                              <a:cs typeface="B Nazanin" panose="00000400000000000000" pitchFamily="2" charset="-78"/>
+                            </a:rPr>
+                            <m:t>𝑛</m:t>
+                          </m:r>
                         </m:sup>
                         <m:e>
                           <m:nary>
@@ -15230,14 +15253,14 @@
                               <m:chr m:val="∑"/>
                               <m:limLoc m:val="undOvr"/>
                               <m:ctrlPr>
-                                <a:rPr lang="en-US" i="1">
+                                <a:rPr lang="en-US" sz="2400" i="1">
                                   <a:latin typeface="Cambria Math" panose="02040503050406030204" pitchFamily="18" charset="0"/>
                                 </a:rPr>
                               </m:ctrlPr>
                             </m:naryPr>
                             <m:sub>
                               <m:r>
-                                <a:rPr lang="en-US" sz="2400" i="1" kern="0">
+                                <a:rPr lang="en-US" sz="2000" i="1" kern="0">
                                   <a:latin typeface="Cambria Math" panose="02040503050406030204" pitchFamily="18" charset="0"/>
                                   <a:ea typeface="Calibri" panose="020F0502020204030204" pitchFamily="34" charset="0"/>
                                   <a:cs typeface="B Nazanin" panose="00000400000000000000" pitchFamily="2" charset="-78"/>
@@ -15245,7 +15268,7 @@
                                 <m:t>𝑗</m:t>
                               </m:r>
                               <m:r>
-                                <a:rPr lang="en-US" sz="2400" i="1" kern="0">
+                                <a:rPr lang="en-US" sz="2000" i="1" kern="0">
                                   <a:latin typeface="Cambria Math" panose="02040503050406030204" pitchFamily="18" charset="0"/>
                                   <a:ea typeface="Calibri" panose="020F0502020204030204" pitchFamily="34" charset="0"/>
                                   <a:cs typeface="B Nazanin" panose="00000400000000000000" pitchFamily="2" charset="-78"/>
@@ -15253,7 +15276,7 @@
                                 <m:t>=</m:t>
                               </m:r>
                               <m:r>
-                                <a:rPr lang="en-US" sz="2400" i="1" kern="0">
+                                <a:rPr lang="en-US" sz="2000" i="1" kern="0">
                                   <a:latin typeface="Cambria Math" panose="02040503050406030204" pitchFamily="18" charset="0"/>
                                   <a:ea typeface="Calibri" panose="020F0502020204030204" pitchFamily="34" charset="0"/>
                                   <a:cs typeface="B Nazanin" panose="00000400000000000000" pitchFamily="2" charset="-78"/>
@@ -15262,20 +15285,41 @@
                               </m:r>
                             </m:sub>
                             <m:sup>
-                              <m:r>
-                                <a:rPr lang="en-US" sz="2400" i="1" kern="0">
-                                  <a:latin typeface="Cambria Math" panose="02040503050406030204" pitchFamily="18" charset="0"/>
-                                  <a:ea typeface="Calibri" panose="020F0502020204030204" pitchFamily="34" charset="0"/>
-                                  <a:cs typeface="B Nazanin" panose="00000400000000000000" pitchFamily="2" charset="-78"/>
-                                </a:rPr>
-                                <m:t>𝑚</m:t>
-                              </m:r>
+                              <m:sSub>
+                                <m:sSubPr>
+                                  <m:ctrlPr>
+                                    <a:rPr lang="en-US" sz="2400" i="1">
+                                      <a:latin typeface="Cambria Math" panose="02040503050406030204" pitchFamily="18" charset="0"/>
+                                    </a:rPr>
+                                  </m:ctrlPr>
+                                </m:sSubPr>
+                                <m:e>
+                                  <m:r>
+                                    <a:rPr lang="en-US" sz="2000" i="1" kern="0">
+                                      <a:latin typeface="Cambria Math" panose="02040503050406030204" pitchFamily="18" charset="0"/>
+                                      <a:ea typeface="Calibri" panose="020F0502020204030204" pitchFamily="34" charset="0"/>
+                                      <a:cs typeface="B Nazanin" panose="00000400000000000000" pitchFamily="2" charset="-78"/>
+                                    </a:rPr>
+                                    <m:t>𝑚</m:t>
+                                  </m:r>
+                                </m:e>
+                                <m:sub>
+                                  <m:r>
+                                    <a:rPr lang="en-US" sz="2000" i="1" kern="0">
+                                      <a:latin typeface="Cambria Math" panose="02040503050406030204" pitchFamily="18" charset="0"/>
+                                      <a:ea typeface="Calibri" panose="020F0502020204030204" pitchFamily="34" charset="0"/>
+                                      <a:cs typeface="B Nazanin" panose="00000400000000000000" pitchFamily="2" charset="-78"/>
+                                    </a:rPr>
+                                    <m:t>𝑦</m:t>
+                                  </m:r>
+                                </m:sub>
+                              </m:sSub>
                             </m:sup>
                             <m:e>
                               <m:d>
                                 <m:dPr>
                                   <m:ctrlPr>
-                                    <a:rPr lang="en-US" i="1">
+                                    <a:rPr lang="en-US" sz="2400" i="1">
                                       <a:latin typeface="Cambria Math" panose="02040503050406030204" pitchFamily="18" charset="0"/>
                                     </a:rPr>
                                   </m:ctrlPr>
@@ -15284,7 +15328,7 @@
                                   <m:sSub>
                                     <m:sSubPr>
                                       <m:ctrlPr>
-                                        <a:rPr lang="en-US" i="1">
+                                        <a:rPr lang="en-US" sz="2400" i="1">
                                           <a:latin typeface="Cambria Math" panose="02040503050406030204" pitchFamily="18" charset="0"/>
                                           <a:ea typeface="Times New Roman" panose="02020603050405020304" pitchFamily="18" charset="0"/>
                                         </a:rPr>
@@ -15292,7 +15336,7 @@
                                     </m:sSubPr>
                                     <m:e>
                                       <m:r>
-                                        <a:rPr lang="en-US" i="1" kern="0">
+                                        <a:rPr lang="en-US" sz="2400" i="1" kern="0">
                                           <a:latin typeface="Cambria Math" panose="02040503050406030204" pitchFamily="18" charset="0"/>
                                           <a:ea typeface="Times New Roman" panose="02020603050405020304" pitchFamily="18" charset="0"/>
                                           <a:cs typeface="B Nazanin" panose="00000400000000000000" pitchFamily="2" charset="-78"/>
@@ -15302,7 +15346,7 @@
                                     </m:e>
                                     <m:sub>
                                       <m:r>
-                                        <a:rPr lang="en-US" i="1" kern="0">
+                                        <a:rPr lang="en-US" sz="2400" i="1" kern="0">
                                           <a:latin typeface="Cambria Math" panose="02040503050406030204" pitchFamily="18" charset="0"/>
                                           <a:ea typeface="Times New Roman" panose="02020603050405020304" pitchFamily="18" charset="0"/>
                                           <a:cs typeface="B Nazanin" panose="00000400000000000000" pitchFamily="2" charset="-78"/>
@@ -15310,7 +15354,7 @@
                                         <m:t>𝑖</m:t>
                                       </m:r>
                                       <m:r>
-                                        <a:rPr lang="en-US" i="1" kern="0">
+                                        <a:rPr lang="en-US" sz="2400" i="1" kern="0">
                                           <a:latin typeface="Cambria Math" panose="02040503050406030204" pitchFamily="18" charset="0"/>
                                           <a:ea typeface="Times New Roman" panose="02020603050405020304" pitchFamily="18" charset="0"/>
                                           <a:cs typeface="B Nazanin" panose="00000400000000000000" pitchFamily="2" charset="-78"/>
@@ -15318,7 +15362,7 @@
                                         <m:t>,</m:t>
                                       </m:r>
                                       <m:r>
-                                        <a:rPr lang="en-US" i="1" kern="0">
+                                        <a:rPr lang="en-US" sz="2400" i="1" kern="0">
                                           <a:latin typeface="Cambria Math" panose="02040503050406030204" pitchFamily="18" charset="0"/>
                                           <a:ea typeface="Times New Roman" panose="02020603050405020304" pitchFamily="18" charset="0"/>
                                           <a:cs typeface="B Nazanin" panose="00000400000000000000" pitchFamily="2" charset="-78"/>
@@ -15330,7 +15374,7 @@
                                   <m:func>
                                     <m:funcPr>
                                       <m:ctrlPr>
-                                        <a:rPr lang="en-US" i="1">
+                                        <a:rPr lang="en-US" sz="2400" i="1">
                                           <a:latin typeface="Cambria Math" panose="02040503050406030204" pitchFamily="18" charset="0"/>
                                         </a:rPr>
                                       </m:ctrlPr>
@@ -15340,7 +15384,7 @@
                                         <m:rPr>
                                           <m:sty m:val="p"/>
                                         </m:rPr>
-                                        <a:rPr lang="en-US" kern="0">
+                                        <a:rPr lang="en-US" sz="2400" kern="0">
                                           <a:latin typeface="Cambria Math" panose="02040503050406030204" pitchFamily="18" charset="0"/>
                                           <a:ea typeface="Calibri" panose="020F0502020204030204" pitchFamily="34" charset="0"/>
                                           <a:cs typeface="B Nazanin" panose="00000400000000000000" pitchFamily="2" charset="-78"/>
@@ -15352,7 +15396,7 @@
                                       <m:d>
                                         <m:dPr>
                                           <m:ctrlPr>
-                                            <a:rPr lang="en-US" i="1">
+                                            <a:rPr lang="en-US" sz="2400" i="1">
                                               <a:latin typeface="Cambria Math" panose="02040503050406030204" pitchFamily="18" charset="0"/>
                                             </a:rPr>
                                           </m:ctrlPr>
@@ -15361,7 +15405,7 @@
                                           <m:sSub>
                                             <m:sSubPr>
                                               <m:ctrlPr>
-                                                <a:rPr lang="en-US" i="1">
+                                                <a:rPr lang="en-US" sz="2400" i="1">
                                                   <a:latin typeface="Cambria Math" panose="02040503050406030204" pitchFamily="18" charset="0"/>
                                                 </a:rPr>
                                               </m:ctrlPr>
@@ -15371,14 +15415,14 @@
                                                 <m:accPr>
                                                   <m:chr m:val="̂"/>
                                                   <m:ctrlPr>
-                                                    <a:rPr lang="en-US" i="1">
+                                                    <a:rPr lang="en-US" sz="2400" i="1">
                                                       <a:latin typeface="Cambria Math" panose="02040503050406030204" pitchFamily="18" charset="0"/>
                                                     </a:rPr>
                                                   </m:ctrlPr>
                                                 </m:accPr>
                                                 <m:e>
                                                   <m:r>
-                                                    <a:rPr lang="en-US" i="1" kern="0">
+                                                    <a:rPr lang="en-US" sz="2400" i="1" kern="0">
                                                       <a:latin typeface="Cambria Math" panose="02040503050406030204" pitchFamily="18" charset="0"/>
                                                       <a:ea typeface="Calibri" panose="020F0502020204030204" pitchFamily="34" charset="0"/>
                                                       <a:cs typeface="B Nazanin" panose="00000400000000000000" pitchFamily="2" charset="-78"/>
@@ -15390,7 +15434,7 @@
                                             </m:e>
                                             <m:sub>
                                               <m:r>
-                                                <a:rPr lang="en-US" i="1" kern="0">
+                                                <a:rPr lang="en-US" sz="2400" i="1" kern="0">
                                                   <a:latin typeface="Cambria Math" panose="02040503050406030204" pitchFamily="18" charset="0"/>
                                                   <a:ea typeface="Times New Roman" panose="02020603050405020304" pitchFamily="18" charset="0"/>
                                                   <a:cs typeface="B Nazanin" panose="00000400000000000000" pitchFamily="2" charset="-78"/>
@@ -15398,7 +15442,7 @@
                                                 <m:t>𝑖</m:t>
                                               </m:r>
                                               <m:r>
-                                                <a:rPr lang="en-US" i="1" kern="0">
+                                                <a:rPr lang="en-US" sz="2400" i="1" kern="0">
                                                   <a:latin typeface="Cambria Math" panose="02040503050406030204" pitchFamily="18" charset="0"/>
                                                   <a:ea typeface="Times New Roman" panose="02020603050405020304" pitchFamily="18" charset="0"/>
                                                   <a:cs typeface="B Nazanin" panose="00000400000000000000" pitchFamily="2" charset="-78"/>
@@ -15406,7 +15450,7 @@
                                                 <m:t>,</m:t>
                                               </m:r>
                                               <m:r>
-                                                <a:rPr lang="en-US" i="1" kern="0">
+                                                <a:rPr lang="en-US" sz="2400" i="1" kern="0">
                                                   <a:latin typeface="Cambria Math" panose="02040503050406030204" pitchFamily="18" charset="0"/>
                                                   <a:ea typeface="Times New Roman" panose="02020603050405020304" pitchFamily="18" charset="0"/>
                                                   <a:cs typeface="B Nazanin" panose="00000400000000000000" pitchFamily="2" charset="-78"/>
@@ -15420,7 +15464,7 @@
                                     </m:e>
                                   </m:func>
                                   <m:r>
-                                    <a:rPr lang="en-US" i="1" kern="0">
+                                    <a:rPr lang="en-US" sz="2400" i="1" kern="0">
                                       <a:latin typeface="Cambria Math" panose="02040503050406030204" pitchFamily="18" charset="0"/>
                                       <a:ea typeface="Calibri" panose="020F0502020204030204" pitchFamily="34" charset="0"/>
                                       <a:cs typeface="B Nazanin" panose="00000400000000000000" pitchFamily="2" charset="-78"/>
@@ -15430,14 +15474,14 @@
                                   <m:d>
                                     <m:dPr>
                                       <m:ctrlPr>
-                                        <a:rPr lang="en-US" i="1">
+                                        <a:rPr lang="en-US" sz="2400" i="1">
                                           <a:latin typeface="Cambria Math" panose="02040503050406030204" pitchFamily="18" charset="0"/>
                                         </a:rPr>
                                       </m:ctrlPr>
                                     </m:dPr>
                                     <m:e>
                                       <m:r>
-                                        <a:rPr lang="en-US" i="1" kern="0">
+                                        <a:rPr lang="en-US" sz="2400" i="1" kern="0">
                                           <a:latin typeface="Cambria Math" panose="02040503050406030204" pitchFamily="18" charset="0"/>
                                           <a:ea typeface="Calibri" panose="020F0502020204030204" pitchFamily="34" charset="0"/>
                                           <a:cs typeface="B Nazanin" panose="00000400000000000000" pitchFamily="2" charset="-78"/>
@@ -15445,7 +15489,7 @@
                                         <m:t>1</m:t>
                                       </m:r>
                                       <m:r>
-                                        <a:rPr lang="en-US" i="1" kern="0">
+                                        <a:rPr lang="en-US" sz="2400" i="1" kern="0">
                                           <a:latin typeface="Cambria Math" panose="02040503050406030204" pitchFamily="18" charset="0"/>
                                           <a:ea typeface="Calibri" panose="020F0502020204030204" pitchFamily="34" charset="0"/>
                                           <a:cs typeface="B Nazanin" panose="00000400000000000000" pitchFamily="2" charset="-78"/>
@@ -15455,7 +15499,7 @@
                                       <m:sSub>
                                         <m:sSubPr>
                                           <m:ctrlPr>
-                                            <a:rPr lang="en-US" i="1">
+                                            <a:rPr lang="en-US" sz="2400" i="1">
                                               <a:latin typeface="Cambria Math" panose="02040503050406030204" pitchFamily="18" charset="0"/>
                                               <a:ea typeface="Times New Roman" panose="02020603050405020304" pitchFamily="18" charset="0"/>
                                             </a:rPr>
@@ -15463,7 +15507,7 @@
                                         </m:sSubPr>
                                         <m:e>
                                           <m:r>
-                                            <a:rPr lang="en-US" i="1" kern="0">
+                                            <a:rPr lang="en-US" sz="2400" i="1" kern="0">
                                               <a:latin typeface="Cambria Math" panose="02040503050406030204" pitchFamily="18" charset="0"/>
                                               <a:ea typeface="Times New Roman" panose="02020603050405020304" pitchFamily="18" charset="0"/>
                                               <a:cs typeface="B Nazanin" panose="00000400000000000000" pitchFamily="2" charset="-78"/>
@@ -15473,7 +15517,7 @@
                                         </m:e>
                                         <m:sub>
                                           <m:r>
-                                            <a:rPr lang="en-US" i="1" kern="0">
+                                            <a:rPr lang="en-US" sz="2400" i="1" kern="0">
                                               <a:latin typeface="Cambria Math" panose="02040503050406030204" pitchFamily="18" charset="0"/>
                                               <a:ea typeface="Times New Roman" panose="02020603050405020304" pitchFamily="18" charset="0"/>
                                               <a:cs typeface="B Nazanin" panose="00000400000000000000" pitchFamily="2" charset="-78"/>
@@ -15481,7 +15525,7 @@
                                             <m:t>𝑖</m:t>
                                           </m:r>
                                           <m:r>
-                                            <a:rPr lang="en-US" i="1" kern="0">
+                                            <a:rPr lang="en-US" sz="2400" i="1" kern="0">
                                               <a:latin typeface="Cambria Math" panose="02040503050406030204" pitchFamily="18" charset="0"/>
                                               <a:ea typeface="Times New Roman" panose="02020603050405020304" pitchFamily="18" charset="0"/>
                                               <a:cs typeface="B Nazanin" panose="00000400000000000000" pitchFamily="2" charset="-78"/>
@@ -15489,7 +15533,7 @@
                                             <m:t>,</m:t>
                                           </m:r>
                                           <m:r>
-                                            <a:rPr lang="en-US" i="1" kern="0">
+                                            <a:rPr lang="en-US" sz="2400" i="1" kern="0">
                                               <a:latin typeface="Cambria Math" panose="02040503050406030204" pitchFamily="18" charset="0"/>
                                               <a:ea typeface="Times New Roman" panose="02020603050405020304" pitchFamily="18" charset="0"/>
                                               <a:cs typeface="B Nazanin" panose="00000400000000000000" pitchFamily="2" charset="-78"/>
@@ -15503,7 +15547,7 @@
                                   <m:func>
                                     <m:funcPr>
                                       <m:ctrlPr>
-                                        <a:rPr lang="en-US" i="1">
+                                        <a:rPr lang="en-US" sz="2400" i="1">
                                           <a:latin typeface="Cambria Math" panose="02040503050406030204" pitchFamily="18" charset="0"/>
                                         </a:rPr>
                                       </m:ctrlPr>
@@ -15513,7 +15557,7 @@
                                         <m:rPr>
                                           <m:sty m:val="p"/>
                                         </m:rPr>
-                                        <a:rPr lang="en-US" kern="0">
+                                        <a:rPr lang="en-US" sz="2400" kern="0">
                                           <a:latin typeface="Cambria Math" panose="02040503050406030204" pitchFamily="18" charset="0"/>
                                           <a:ea typeface="Calibri" panose="020F0502020204030204" pitchFamily="34" charset="0"/>
                                           <a:cs typeface="B Nazanin" panose="00000400000000000000" pitchFamily="2" charset="-78"/>
@@ -15525,14 +15569,14 @@
                                       <m:d>
                                         <m:dPr>
                                           <m:ctrlPr>
-                                            <a:rPr lang="en-US" i="1">
+                                            <a:rPr lang="en-US" sz="2400" i="1">
                                               <a:latin typeface="Cambria Math" panose="02040503050406030204" pitchFamily="18" charset="0"/>
                                             </a:rPr>
                                           </m:ctrlPr>
                                         </m:dPr>
                                         <m:e>
                                           <m:r>
-                                            <a:rPr lang="en-US" i="1" kern="0">
+                                            <a:rPr lang="en-US" sz="2400" i="1" kern="0">
                                               <a:latin typeface="Cambria Math" panose="02040503050406030204" pitchFamily="18" charset="0"/>
                                               <a:ea typeface="Calibri" panose="020F0502020204030204" pitchFamily="34" charset="0"/>
                                               <a:cs typeface="B Nazanin" panose="00000400000000000000" pitchFamily="2" charset="-78"/>
@@ -15540,7 +15584,7 @@
                                             <m:t>1</m:t>
                                           </m:r>
                                           <m:r>
-                                            <a:rPr lang="en-US" i="1" kern="0">
+                                            <a:rPr lang="en-US" sz="2400" i="1" kern="0">
                                               <a:latin typeface="Cambria Math" panose="02040503050406030204" pitchFamily="18" charset="0"/>
                                               <a:ea typeface="Calibri" panose="020F0502020204030204" pitchFamily="34" charset="0"/>
                                               <a:cs typeface="B Nazanin" panose="00000400000000000000" pitchFamily="2" charset="-78"/>
@@ -15550,7 +15594,7 @@
                                           <m:sSub>
                                             <m:sSubPr>
                                               <m:ctrlPr>
-                                                <a:rPr lang="en-US" i="1">
+                                                <a:rPr lang="en-US" sz="2400" i="1">
                                                   <a:latin typeface="Cambria Math" panose="02040503050406030204" pitchFamily="18" charset="0"/>
                                                 </a:rPr>
                                               </m:ctrlPr>
@@ -15560,14 +15604,14 @@
                                                 <m:accPr>
                                                   <m:chr m:val="̂"/>
                                                   <m:ctrlPr>
-                                                    <a:rPr lang="en-US" i="1">
+                                                    <a:rPr lang="en-US" sz="2400" i="1">
                                                       <a:latin typeface="Cambria Math" panose="02040503050406030204" pitchFamily="18" charset="0"/>
                                                     </a:rPr>
                                                   </m:ctrlPr>
                                                 </m:accPr>
                                                 <m:e>
                                                   <m:r>
-                                                    <a:rPr lang="en-US" i="1" kern="0">
+                                                    <a:rPr lang="en-US" sz="2400" i="1" kern="0">
                                                       <a:latin typeface="Cambria Math" panose="02040503050406030204" pitchFamily="18" charset="0"/>
                                                       <a:ea typeface="Calibri" panose="020F0502020204030204" pitchFamily="34" charset="0"/>
                                                       <a:cs typeface="B Nazanin" panose="00000400000000000000" pitchFamily="2" charset="-78"/>
@@ -15579,7 +15623,7 @@
                                             </m:e>
                                             <m:sub>
                                               <m:r>
-                                                <a:rPr lang="en-US" i="1" kern="0">
+                                                <a:rPr lang="en-US" sz="2400" i="1" kern="0">
                                                   <a:latin typeface="Cambria Math" panose="02040503050406030204" pitchFamily="18" charset="0"/>
                                                   <a:ea typeface="Times New Roman" panose="02020603050405020304" pitchFamily="18" charset="0"/>
                                                   <a:cs typeface="B Nazanin" panose="00000400000000000000" pitchFamily="2" charset="-78"/>
@@ -15587,7 +15631,7 @@
                                                 <m:t>𝑖</m:t>
                                               </m:r>
                                               <m:r>
-                                                <a:rPr lang="en-US" i="1" kern="0">
+                                                <a:rPr lang="en-US" sz="2400" i="1" kern="0">
                                                   <a:latin typeface="Cambria Math" panose="02040503050406030204" pitchFamily="18" charset="0"/>
                                                   <a:ea typeface="Times New Roman" panose="02020603050405020304" pitchFamily="18" charset="0"/>
                                                   <a:cs typeface="B Nazanin" panose="00000400000000000000" pitchFamily="2" charset="-78"/>
@@ -15595,7 +15639,7 @@
                                                 <m:t>,</m:t>
                                               </m:r>
                                               <m:r>
-                                                <a:rPr lang="en-US" i="1" kern="0">
+                                                <a:rPr lang="en-US" sz="2400" i="1" kern="0">
                                                   <a:latin typeface="Cambria Math" panose="02040503050406030204" pitchFamily="18" charset="0"/>
                                                   <a:ea typeface="Times New Roman" panose="02020603050405020304" pitchFamily="18" charset="0"/>
                                                   <a:cs typeface="B Nazanin" panose="00000400000000000000" pitchFamily="2" charset="-78"/>
@@ -16324,7 +16368,7 @@
             </p:txBody>
           </p:sp>
         </mc:Choice>
-        <mc:Fallback xmlns="">
+        <mc:Fallback>
           <p:sp>
             <p:nvSpPr>
               <p:cNvPr id="3" name="Content Placeholder 2">
@@ -16343,7 +16387,7 @@
             </p:nvSpPr>
             <p:spPr>
               <a:blipFill>
-                <a:blip r:embed="rId2"/>
+                <a:blip r:embed="rId3"/>
                 <a:stretch>
                   <a:fillRect/>
                 </a:stretch>
@@ -17263,15 +17307,6 @@
 </file>
 
 <file path=customXml/item1.xml><?xml version="1.0" encoding="utf-8"?>
-<?mso-contentType ?>
-<FormTemplates xmlns="http://schemas.microsoft.com/sharepoint/v3/contenttype/forms">
-  <Display>DocumentLibraryForm</Display>
-  <Edit>DocumentLibraryForm</Edit>
-  <New>DocumentLibraryForm</New>
-</FormTemplates>
-</file>
-
-<file path=customXml/item2.xml><?xml version="1.0" encoding="utf-8"?>
 <ct:contentTypeSchema xmlns:ct="http://schemas.microsoft.com/office/2006/metadata/contentType" xmlns:ma="http://schemas.microsoft.com/office/2006/metadata/properties/metaAttributes" ct:_="" ma:_="" ma:contentTypeName="Document" ma:contentTypeID="0x01010079F111ED35F8CC479449609E8A0923A6" ma:contentTypeVersion="28" ma:contentTypeDescription="Create a new document." ma:contentTypeScope="" ma:versionID="60f5a4f2d2b0abadcf532d48ebf9cb71">
   <xsd:schema xmlns:xsd="http://www.w3.org/2001/XMLSchema" xmlns:xs="http://www.w3.org/2001/XMLSchema" xmlns:p="http://schemas.microsoft.com/office/2006/metadata/properties" xmlns:ns1="http://schemas.microsoft.com/sharepoint/v3" xmlns:ns2="71af3243-3dd4-4a8d-8c0d-dd76da1f02a5" xmlns:ns3="16c05727-aa75-4e4a-9b5f-8a80a1165891" xmlns:ns4="230e9df3-be65-4c73-a93b-d1236ebd677e" targetNamespace="http://schemas.microsoft.com/office/2006/metadata/properties" ma:root="true" ma:fieldsID="7dd78129e6a1811f84807ad11c651531" ns1:_="" ns2:_="" ns3:_="" ns4:_="">
     <xsd:import namespace="http://schemas.microsoft.com/sharepoint/v3"/>
@@ -17583,6 +17618,15 @@
 </ct:contentTypeSchema>
 </file>
 
+<file path=customXml/item2.xml><?xml version="1.0" encoding="utf-8"?>
+<?mso-contentType ?>
+<FormTemplates xmlns="http://schemas.microsoft.com/sharepoint/v3/contenttype/forms">
+  <Display>DocumentLibraryForm</Display>
+  <Edit>DocumentLibraryForm</Edit>
+  <New>DocumentLibraryForm</New>
+</FormTemplates>
+</file>
+
 <file path=customXml/item3.xml><?xml version="1.0" encoding="utf-8"?>
 <p:properties xmlns:p="http://schemas.microsoft.com/office/2006/metadata/properties" xmlns:xsi="http://www.w3.org/2001/XMLSchema-instance" xmlns:pc="http://schemas.microsoft.com/office/infopath/2007/PartnerControls">
   <documentManagement>
@@ -17604,14 +17648,6 @@
 </file>
 
 <file path=customXml/itemProps1.xml><?xml version="1.0" encoding="utf-8"?>
-<ds:datastoreItem xmlns:ds="http://schemas.openxmlformats.org/officeDocument/2006/customXml" ds:itemID="{45A8381C-73EB-48EA-B45F-7B7C8C7DF409}">
-  <ds:schemaRefs>
-    <ds:schemaRef ds:uri="http://schemas.microsoft.com/sharepoint/v3/contenttype/forms"/>
-  </ds:schemaRefs>
-</ds:datastoreItem>
-</file>
-
-<file path=customXml/itemProps2.xml><?xml version="1.0" encoding="utf-8"?>
 <ds:datastoreItem xmlns:ds="http://schemas.openxmlformats.org/officeDocument/2006/customXml" ds:itemID="{5AA6A711-2C3F-4EC0-B88B-62D740851176}">
   <ds:schemaRefs>
     <ds:schemaRef ds:uri="http://schemas.microsoft.com/office/2006/metadata/contentType"/>
@@ -17632,6 +17668,14 @@
 </ds:datastoreItem>
 </file>
 
+<file path=customXml/itemProps2.xml><?xml version="1.0" encoding="utf-8"?>
+<ds:datastoreItem xmlns:ds="http://schemas.openxmlformats.org/officeDocument/2006/customXml" ds:itemID="{45A8381C-73EB-48EA-B45F-7B7C8C7DF409}">
+  <ds:schemaRefs>
+    <ds:schemaRef ds:uri="http://schemas.microsoft.com/sharepoint/v3/contenttype/forms"/>
+  </ds:schemaRefs>
+</ds:datastoreItem>
+</file>
+
 <file path=customXml/itemProps3.xml><?xml version="1.0" encoding="utf-8"?>
 <ds:datastoreItem xmlns:ds="http://schemas.openxmlformats.org/officeDocument/2006/customXml" ds:itemID="{61E98C35-9ECE-4425-BCBA-00E118C705CE}">
   <ds:schemaRefs>

--- a/dnn/presentation/presentation_part3.pptx
+++ b/dnn/presentation/presentation_part3.pptx
@@ -240,7 +240,7 @@
           <a:p>
             <a:fld id="{9D8190EA-5EEC-4300-B6AE-D9734C6C648E}" type="datetimeFigureOut">
               <a:rPr lang="en-US" smtClean="0"/>
-              <a:t>4/10/2024</a:t>
+              <a:t>5/6/2024</a:t>
             </a:fld>
             <a:endParaRPr lang="en-US" dirty="0"/>
           </a:p>
@@ -417,7 +417,7 @@
           <a:p>
             <a:fld id="{7487ADD9-2083-264C-A652-8D52D02F7E72}" type="datetimeFigureOut">
               <a:rPr lang="en-US" smtClean="0"/>
-              <a:t>4/10/2024</a:t>
+              <a:t>5/6/2024</a:t>
             </a:fld>
             <a:endParaRPr lang="en-US" dirty="0"/>
           </a:p>
@@ -8311,7 +8311,7 @@
                     </m:oMathParaPr>
                     <m:oMath xmlns:m="http://schemas.openxmlformats.org/officeDocument/2006/math">
                       <m:r>
-                        <a:rPr lang="en-US" sz="2400" i="1" kern="0">
+                        <a:rPr lang="en-US" sz="2400" i="1" kern="0" smtClean="0">
                           <a:latin typeface="Cambria Math" panose="02040503050406030204" pitchFamily="18" charset="0"/>
                           <a:ea typeface="Calibri" panose="020F0502020204030204" pitchFamily="34" charset="0"/>
                           <a:cs typeface="B Nazanin" panose="00000400000000000000" pitchFamily="2" charset="-78"/>
@@ -8693,13 +8693,13 @@
                             <m:t>𝜕</m:t>
                           </m:r>
                           <m:r>
-                            <a:rPr lang="en-US" sz="2800" i="1" kern="0">
+                            <a:rPr lang="en-US" sz="2800" b="0" i="1" kern="0" smtClean="0">
                               <a:effectLst/>
                               <a:latin typeface="Cambria Math" panose="02040503050406030204" pitchFamily="18" charset="0"/>
                               <a:ea typeface="Calibri" panose="020F0502020204030204" pitchFamily="34" charset="0"/>
                               <a:cs typeface="B Nazanin" panose="00000400000000000000" pitchFamily="2" charset="-78"/>
                             </a:rPr>
-                            <m:t>ℒ</m:t>
+                            <m:t>𝐽</m:t>
                           </m:r>
                         </m:num>
                         <m:den>
@@ -8967,13 +8967,13 @@
                             <m:t>𝜕</m:t>
                           </m:r>
                           <m:r>
-                            <a:rPr lang="en-US" sz="2800" i="1" kern="0">
+                            <a:rPr lang="en-US" sz="2800" b="0" i="1" kern="0" smtClean="0">
                               <a:effectLst/>
                               <a:latin typeface="Cambria Math" panose="02040503050406030204" pitchFamily="18" charset="0"/>
                               <a:ea typeface="Calibri" panose="020F0502020204030204" pitchFamily="34" charset="0"/>
                               <a:cs typeface="B Nazanin" panose="00000400000000000000" pitchFamily="2" charset="-78"/>
                             </a:rPr>
-                            <m:t>ℒ</m:t>
+                            <m:t>𝐽</m:t>
                           </m:r>
                         </m:num>
                         <m:den>
@@ -14229,7 +14229,7 @@
                     </m:oMathParaPr>
                     <m:oMath xmlns:m="http://schemas.openxmlformats.org/officeDocument/2006/math">
                       <m:r>
-                        <a:rPr lang="en-US" i="1" kern="0">
+                        <a:rPr lang="en-US" i="1" kern="0" smtClean="0">
                           <a:latin typeface="Cambria Math" panose="02040503050406030204" pitchFamily="18" charset="0"/>
                           <a:ea typeface="Calibri" panose="020F0502020204030204" pitchFamily="34" charset="0"/>
                           <a:cs typeface="B Nazanin" panose="00000400000000000000" pitchFamily="2" charset="-78"/>
@@ -14632,13 +14632,13 @@
                             <m:t>𝜕</m:t>
                           </m:r>
                           <m:r>
-                            <a:rPr lang="en-US" sz="2800" i="1" kern="0">
+                            <a:rPr lang="en-US" sz="2800" b="0" i="1" kern="0" smtClean="0">
                               <a:effectLst/>
                               <a:latin typeface="Cambria Math" panose="02040503050406030204" pitchFamily="18" charset="0"/>
                               <a:ea typeface="Calibri" panose="020F0502020204030204" pitchFamily="34" charset="0"/>
                               <a:cs typeface="B Nazanin" panose="00000400000000000000" pitchFamily="2" charset="-78"/>
                             </a:rPr>
-                            <m:t>ℒ</m:t>
+                            <m:t>𝐽</m:t>
                           </m:r>
                         </m:num>
                         <m:den>
@@ -14899,13 +14899,13 @@
                             <m:t>𝜕</m:t>
                           </m:r>
                           <m:r>
-                            <a:rPr lang="en-US" sz="2800" i="1" kern="0">
+                            <a:rPr lang="en-US" sz="2800" b="0" i="1" kern="0" smtClean="0">
                               <a:effectLst/>
                               <a:latin typeface="Cambria Math" panose="02040503050406030204" pitchFamily="18" charset="0"/>
                               <a:ea typeface="Calibri" panose="020F0502020204030204" pitchFamily="34" charset="0"/>
                               <a:cs typeface="B Nazanin" panose="00000400000000000000" pitchFamily="2" charset="-78"/>
                             </a:rPr>
-                            <m:t>ℒ</m:t>
+                            <m:t>𝐽</m:t>
                           </m:r>
                         </m:num>
                         <m:den>
@@ -15138,7 +15138,7 @@
                     </m:oMathParaPr>
                     <m:oMath xmlns:m="http://schemas.openxmlformats.org/officeDocument/2006/math">
                       <m:r>
-                        <a:rPr lang="en-US" sz="2000" i="1" kern="0">
+                        <a:rPr lang="en-US" sz="2000" i="1" kern="0" smtClean="0">
                           <a:latin typeface="Cambria Math" panose="02040503050406030204" pitchFamily="18" charset="0"/>
                           <a:ea typeface="Calibri" panose="020F0502020204030204" pitchFamily="34" charset="0"/>
                           <a:cs typeface="B Nazanin" panose="00000400000000000000" pitchFamily="2" charset="-78"/>
@@ -15707,13 +15707,13 @@
                             <m:t>𝜕</m:t>
                           </m:r>
                           <m:r>
-                            <a:rPr lang="en-US" sz="2800" i="1" kern="0">
+                            <a:rPr lang="en-US" sz="2800" b="0" i="1" kern="0" smtClean="0">
                               <a:effectLst/>
                               <a:latin typeface="Cambria Math" panose="02040503050406030204" pitchFamily="18" charset="0"/>
                               <a:ea typeface="Calibri" panose="020F0502020204030204" pitchFamily="34" charset="0"/>
                               <a:cs typeface="B Nazanin" panose="00000400000000000000" pitchFamily="2" charset="-78"/>
                             </a:rPr>
-                            <m:t>ℒ</m:t>
+                            <m:t>𝐽</m:t>
                           </m:r>
                         </m:num>
                         <m:den>
@@ -16144,13 +16144,13 @@
                             <m:t>𝜕</m:t>
                           </m:r>
                           <m:r>
-                            <a:rPr lang="en-US" sz="2800" i="1" kern="0">
+                            <a:rPr lang="en-US" sz="2800" b="0" i="1" kern="0" smtClean="0">
                               <a:effectLst/>
                               <a:latin typeface="Cambria Math" panose="02040503050406030204" pitchFamily="18" charset="0"/>
                               <a:ea typeface="Calibri" panose="020F0502020204030204" pitchFamily="34" charset="0"/>
                               <a:cs typeface="B Nazanin" panose="00000400000000000000" pitchFamily="2" charset="-78"/>
                             </a:rPr>
-                            <m:t>ℒ</m:t>
+                            <m:t>𝐽</m:t>
                           </m:r>
                         </m:num>
                         <m:den>
@@ -17307,6 +17307,15 @@
 </file>
 
 <file path=customXml/item1.xml><?xml version="1.0" encoding="utf-8"?>
+<?mso-contentType ?>
+<FormTemplates xmlns="http://schemas.microsoft.com/sharepoint/v3/contenttype/forms">
+  <Display>DocumentLibraryForm</Display>
+  <Edit>DocumentLibraryForm</Edit>
+  <New>DocumentLibraryForm</New>
+</FormTemplates>
+</file>
+
+<file path=customXml/item2.xml><?xml version="1.0" encoding="utf-8"?>
 <ct:contentTypeSchema xmlns:ct="http://schemas.microsoft.com/office/2006/metadata/contentType" xmlns:ma="http://schemas.microsoft.com/office/2006/metadata/properties/metaAttributes" ct:_="" ma:_="" ma:contentTypeName="Document" ma:contentTypeID="0x01010079F111ED35F8CC479449609E8A0923A6" ma:contentTypeVersion="28" ma:contentTypeDescription="Create a new document." ma:contentTypeScope="" ma:versionID="60f5a4f2d2b0abadcf532d48ebf9cb71">
   <xsd:schema xmlns:xsd="http://www.w3.org/2001/XMLSchema" xmlns:xs="http://www.w3.org/2001/XMLSchema" xmlns:p="http://schemas.microsoft.com/office/2006/metadata/properties" xmlns:ns1="http://schemas.microsoft.com/sharepoint/v3" xmlns:ns2="71af3243-3dd4-4a8d-8c0d-dd76da1f02a5" xmlns:ns3="16c05727-aa75-4e4a-9b5f-8a80a1165891" xmlns:ns4="230e9df3-be65-4c73-a93b-d1236ebd677e" targetNamespace="http://schemas.microsoft.com/office/2006/metadata/properties" ma:root="true" ma:fieldsID="7dd78129e6a1811f84807ad11c651531" ns1:_="" ns2:_="" ns3:_="" ns4:_="">
     <xsd:import namespace="http://schemas.microsoft.com/sharepoint/v3"/>
@@ -17618,15 +17627,6 @@
 </ct:contentTypeSchema>
 </file>
 
-<file path=customXml/item2.xml><?xml version="1.0" encoding="utf-8"?>
-<?mso-contentType ?>
-<FormTemplates xmlns="http://schemas.microsoft.com/sharepoint/v3/contenttype/forms">
-  <Display>DocumentLibraryForm</Display>
-  <Edit>DocumentLibraryForm</Edit>
-  <New>DocumentLibraryForm</New>
-</FormTemplates>
-</file>
-
 <file path=customXml/item3.xml><?xml version="1.0" encoding="utf-8"?>
 <p:properties xmlns:p="http://schemas.microsoft.com/office/2006/metadata/properties" xmlns:xsi="http://www.w3.org/2001/XMLSchema-instance" xmlns:pc="http://schemas.microsoft.com/office/infopath/2007/PartnerControls">
   <documentManagement>
@@ -17648,6 +17648,14 @@
 </file>
 
 <file path=customXml/itemProps1.xml><?xml version="1.0" encoding="utf-8"?>
+<ds:datastoreItem xmlns:ds="http://schemas.openxmlformats.org/officeDocument/2006/customXml" ds:itemID="{45A8381C-73EB-48EA-B45F-7B7C8C7DF409}">
+  <ds:schemaRefs>
+    <ds:schemaRef ds:uri="http://schemas.microsoft.com/sharepoint/v3/contenttype/forms"/>
+  </ds:schemaRefs>
+</ds:datastoreItem>
+</file>
+
+<file path=customXml/itemProps2.xml><?xml version="1.0" encoding="utf-8"?>
 <ds:datastoreItem xmlns:ds="http://schemas.openxmlformats.org/officeDocument/2006/customXml" ds:itemID="{5AA6A711-2C3F-4EC0-B88B-62D740851176}">
   <ds:schemaRefs>
     <ds:schemaRef ds:uri="http://schemas.microsoft.com/office/2006/metadata/contentType"/>
@@ -17668,14 +17676,6 @@
 </ds:datastoreItem>
 </file>
 
-<file path=customXml/itemProps2.xml><?xml version="1.0" encoding="utf-8"?>
-<ds:datastoreItem xmlns:ds="http://schemas.openxmlformats.org/officeDocument/2006/customXml" ds:itemID="{45A8381C-73EB-48EA-B45F-7B7C8C7DF409}">
-  <ds:schemaRefs>
-    <ds:schemaRef ds:uri="http://schemas.microsoft.com/sharepoint/v3/contenttype/forms"/>
-  </ds:schemaRefs>
-</ds:datastoreItem>
-</file>
-
 <file path=customXml/itemProps3.xml><?xml version="1.0" encoding="utf-8"?>
 <ds:datastoreItem xmlns:ds="http://schemas.openxmlformats.org/officeDocument/2006/customXml" ds:itemID="{61E98C35-9ECE-4425-BCBA-00E118C705CE}">
   <ds:schemaRefs>
